--- a/7374Assignment4_relation_extraction.pptx
+++ b/7374Assignment4_relation_extraction.pptx
@@ -25,22 +25,21 @@
     <p:sldId id="270" r:id="rId20"/>
     <p:sldId id="271" r:id="rId21"/>
     <p:sldId id="272" r:id="rId22"/>
-    <p:sldId id="273" r:id="rId23"/>
   </p:sldIdLst>
   <p:sldSz cy="5143500" cx="9144000"/>
   <p:notesSz cx="6858000" cy="9144000"/>
   <p:embeddedFontLst>
     <p:embeddedFont>
       <p:font typeface="Roboto Slab"/>
-      <p:regular r:id="rId24"/>
-      <p:bold r:id="rId25"/>
+      <p:regular r:id="rId23"/>
+      <p:bold r:id="rId24"/>
     </p:embeddedFont>
     <p:embeddedFont>
       <p:font typeface="Roboto"/>
-      <p:regular r:id="rId26"/>
-      <p:bold r:id="rId27"/>
-      <p:italic r:id="rId28"/>
-      <p:boldItalic r:id="rId29"/>
+      <p:regular r:id="rId25"/>
+      <p:bold r:id="rId26"/>
+      <p:italic r:id="rId27"/>
+      <p:boldItalic r:id="rId28"/>
     </p:embeddedFont>
   </p:embeddedFontLst>
   <p:defaultTextStyle>
@@ -833,7 +832,7 @@
       </p:grpSpPr>
       <p:sp>
         <p:nvSpPr>
-          <p:cNvPr id="116" name="Google Shape;116;g50ef1df54f_0_200:notes"/>
+          <p:cNvPr id="116" name="Google Shape;116;g50ef1df54f_0_229:notes"/>
           <p:cNvSpPr/>
           <p:nvPr>
             <p:ph idx="2" type="sldImg"/>
@@ -868,7 +867,7 @@
       </p:sp>
       <p:sp>
         <p:nvSpPr>
-          <p:cNvPr id="117" name="Google Shape;117;g50ef1df54f_0_200:notes"/>
+          <p:cNvPr id="117" name="Google Shape;117;g50ef1df54f_0_229:notes"/>
           <p:cNvSpPr txBox="1"/>
           <p:nvPr>
             <p:ph idx="1" type="body"/>
@@ -918,7 +917,7 @@
   <p:cSld>
     <p:spTree>
       <p:nvGrpSpPr>
-        <p:cNvPr id="121" name="Shape 121"/>
+        <p:cNvPr id="122" name="Shape 122"/>
         <p:cNvGrpSpPr/>
         <p:nvPr/>
       </p:nvGrpSpPr>
@@ -932,7 +931,7 @@
       </p:grpSpPr>
       <p:sp>
         <p:nvSpPr>
-          <p:cNvPr id="122" name="Google Shape;122;g50ef1df54f_0_229:notes"/>
+          <p:cNvPr id="123" name="Google Shape;123;g50ef1df54f_0_244:notes"/>
           <p:cNvSpPr/>
           <p:nvPr>
             <p:ph idx="2" type="sldImg"/>
@@ -967,7 +966,7 @@
       </p:sp>
       <p:sp>
         <p:nvSpPr>
-          <p:cNvPr id="123" name="Google Shape;123;g50ef1df54f_0_229:notes"/>
+          <p:cNvPr id="124" name="Google Shape;124;g50ef1df54f_0_244:notes"/>
           <p:cNvSpPr txBox="1"/>
           <p:nvPr>
             <p:ph idx="1" type="body"/>
@@ -1017,7 +1016,7 @@
   <p:cSld>
     <p:spTree>
       <p:nvGrpSpPr>
-        <p:cNvPr id="128" name="Shape 128"/>
+        <p:cNvPr id="129" name="Shape 129"/>
         <p:cNvGrpSpPr/>
         <p:nvPr/>
       </p:nvGrpSpPr>
@@ -1031,7 +1030,7 @@
       </p:grpSpPr>
       <p:sp>
         <p:nvSpPr>
-          <p:cNvPr id="129" name="Google Shape;129;g50ef1df54f_0_244:notes"/>
+          <p:cNvPr id="130" name="Google Shape;130;g50ef1df54f_0_235:notes"/>
           <p:cNvSpPr/>
           <p:nvPr>
             <p:ph idx="2" type="sldImg"/>
@@ -1066,7 +1065,7 @@
       </p:sp>
       <p:sp>
         <p:nvSpPr>
-          <p:cNvPr id="130" name="Google Shape;130;g50ef1df54f_0_244:notes"/>
+          <p:cNvPr id="131" name="Google Shape;131;g50ef1df54f_0_235:notes"/>
           <p:cNvSpPr txBox="1"/>
           <p:nvPr>
             <p:ph idx="1" type="body"/>
@@ -1116,7 +1115,7 @@
   <p:cSld>
     <p:spTree>
       <p:nvGrpSpPr>
-        <p:cNvPr id="135" name="Shape 135"/>
+        <p:cNvPr id="136" name="Shape 136"/>
         <p:cNvGrpSpPr/>
         <p:nvPr/>
       </p:nvGrpSpPr>
@@ -1130,7 +1129,7 @@
       </p:grpSpPr>
       <p:sp>
         <p:nvSpPr>
-          <p:cNvPr id="136" name="Google Shape;136;g50ef1df54f_0_235:notes"/>
+          <p:cNvPr id="137" name="Google Shape;137;g50ef1df54f_4_6:notes"/>
           <p:cNvSpPr/>
           <p:nvPr>
             <p:ph idx="2" type="sldImg"/>
@@ -1165,7 +1164,7 @@
       </p:sp>
       <p:sp>
         <p:nvSpPr>
-          <p:cNvPr id="137" name="Google Shape;137;g50ef1df54f_0_235:notes"/>
+          <p:cNvPr id="138" name="Google Shape;138;g50ef1df54f_4_6:notes"/>
           <p:cNvSpPr txBox="1"/>
           <p:nvPr>
             <p:ph idx="1" type="body"/>
@@ -1215,7 +1214,7 @@
   <p:cSld>
     <p:spTree>
       <p:nvGrpSpPr>
-        <p:cNvPr id="142" name="Shape 142"/>
+        <p:cNvPr id="143" name="Shape 143"/>
         <p:cNvGrpSpPr/>
         <p:nvPr/>
       </p:nvGrpSpPr>
@@ -1229,7 +1228,7 @@
       </p:grpSpPr>
       <p:sp>
         <p:nvSpPr>
-          <p:cNvPr id="143" name="Google Shape;143;g50ef1df54f_4_6:notes"/>
+          <p:cNvPr id="144" name="Google Shape;144;g50ef1df54f_0_167:notes"/>
           <p:cNvSpPr/>
           <p:nvPr>
             <p:ph idx="2" type="sldImg"/>
@@ -1264,7 +1263,7 @@
       </p:sp>
       <p:sp>
         <p:nvSpPr>
-          <p:cNvPr id="144" name="Google Shape;144;g50ef1df54f_4_6:notes"/>
+          <p:cNvPr id="145" name="Google Shape;145;g50ef1df54f_0_167:notes"/>
           <p:cNvSpPr txBox="1"/>
           <p:nvPr>
             <p:ph idx="1" type="body"/>
@@ -1314,7 +1313,7 @@
   <p:cSld>
     <p:spTree>
       <p:nvGrpSpPr>
-        <p:cNvPr id="149" name="Shape 149"/>
+        <p:cNvPr id="150" name="Shape 150"/>
         <p:cNvGrpSpPr/>
         <p:nvPr/>
       </p:nvGrpSpPr>
@@ -1328,7 +1327,7 @@
       </p:grpSpPr>
       <p:sp>
         <p:nvSpPr>
-          <p:cNvPr id="150" name="Google Shape;150;g50ef1df54f_0_167:notes"/>
+          <p:cNvPr id="151" name="Google Shape;151;g50ef1df54f_0_172:notes"/>
           <p:cNvSpPr/>
           <p:nvPr>
             <p:ph idx="2" type="sldImg"/>
@@ -1363,7 +1362,7 @@
       </p:sp>
       <p:sp>
         <p:nvSpPr>
-          <p:cNvPr id="151" name="Google Shape;151;g50ef1df54f_0_167:notes"/>
+          <p:cNvPr id="152" name="Google Shape;152;g50ef1df54f_0_172:notes"/>
           <p:cNvSpPr txBox="1"/>
           <p:nvPr>
             <p:ph idx="1" type="body"/>
@@ -1413,7 +1412,7 @@
   <p:cSld>
     <p:spTree>
       <p:nvGrpSpPr>
-        <p:cNvPr id="156" name="Shape 156"/>
+        <p:cNvPr id="157" name="Shape 157"/>
         <p:cNvGrpSpPr/>
         <p:nvPr/>
       </p:nvGrpSpPr>
@@ -1427,7 +1426,7 @@
       </p:grpSpPr>
       <p:sp>
         <p:nvSpPr>
-          <p:cNvPr id="157" name="Google Shape;157;g50ef1df54f_0_172:notes"/>
+          <p:cNvPr id="158" name="Google Shape;158;g50ef1df54f_2_2:notes"/>
           <p:cNvSpPr/>
           <p:nvPr>
             <p:ph idx="2" type="sldImg"/>
@@ -1462,7 +1461,7 @@
       </p:sp>
       <p:sp>
         <p:nvSpPr>
-          <p:cNvPr id="158" name="Google Shape;158;g50ef1df54f_0_172:notes"/>
+          <p:cNvPr id="159" name="Google Shape;159;g50ef1df54f_2_2:notes"/>
           <p:cNvSpPr txBox="1"/>
           <p:nvPr>
             <p:ph idx="1" type="body"/>
@@ -1512,7 +1511,7 @@
   <p:cSld>
     <p:spTree>
       <p:nvGrpSpPr>
-        <p:cNvPr id="163" name="Shape 163"/>
+        <p:cNvPr id="164" name="Shape 164"/>
         <p:cNvGrpSpPr/>
         <p:nvPr/>
       </p:nvGrpSpPr>
@@ -1526,7 +1525,7 @@
       </p:grpSpPr>
       <p:sp>
         <p:nvSpPr>
-          <p:cNvPr id="164" name="Google Shape;164;g50ef1df54f_2_2:notes"/>
+          <p:cNvPr id="165" name="Google Shape;165;g50ef1df54f_0_251:notes"/>
           <p:cNvSpPr/>
           <p:nvPr>
             <p:ph idx="2" type="sldImg"/>
@@ -1561,106 +1560,7 @@
       </p:sp>
       <p:sp>
         <p:nvSpPr>
-          <p:cNvPr id="165" name="Google Shape;165;g50ef1df54f_2_2:notes"/>
-          <p:cNvSpPr txBox="1"/>
-          <p:nvPr>
-            <p:ph idx="1" type="body"/>
-          </p:nvPr>
-        </p:nvSpPr>
-        <p:spPr>
-          <a:xfrm>
-            <a:off x="685800" y="4343400"/>
-            <a:ext cx="5486400" cy="4114800"/>
-          </a:xfrm>
-          <a:prstGeom prst="rect">
-            <a:avLst/>
-          </a:prstGeom>
-        </p:spPr>
-        <p:txBody>
-          <a:bodyPr anchorCtr="0" anchor="t" bIns="91425" lIns="91425" spcFirstLastPara="1" rIns="91425" wrap="square" tIns="91425">
-            <a:noAutofit/>
-          </a:bodyPr>
-          <a:lstStyle/>
-          <a:p>
-            <a:pPr indent="0" lvl="0" marL="0" rtl="0" algn="l">
-              <a:spcBef>
-                <a:spcPts val="0"/>
-              </a:spcBef>
-              <a:spcAft>
-                <a:spcPts val="0"/>
-              </a:spcAft>
-              <a:buNone/>
-            </a:pPr>
-            <a:r>
-              <a:t/>
-            </a:r>
-            <a:endParaRPr/>
-          </a:p>
-        </p:txBody>
-      </p:sp>
-    </p:spTree>
-  </p:cSld>
-  <p:clrMapOvr>
-    <a:masterClrMapping/>
-  </p:clrMapOvr>
-</p:notes>
-</file>
-
-<file path=ppt/notesSlides/notesSlide18.xml><?xml version="1.0" encoding="utf-8"?>
-<p:notes xmlns:a="http://schemas.openxmlformats.org/drawingml/2006/main" xmlns:r="http://schemas.openxmlformats.org/officeDocument/2006/relationships" xmlns:mc="http://schemas.openxmlformats.org/markup-compatibility/2006" xmlns:mv="urn:schemas-microsoft-com:mac:vml" xmlns:p="http://schemas.openxmlformats.org/presentationml/2006/main" xmlns:c="http://schemas.openxmlformats.org/drawingml/2006/chart" xmlns:dgm="http://schemas.openxmlformats.org/drawingml/2006/diagram" xmlns:o="urn:schemas-microsoft-com:office:office" xmlns:v="urn:schemas-microsoft-com:vml" xmlns:pvml="urn:schemas-microsoft-com:office:powerpoint" xmlns:com="http://schemas.openxmlformats.org/drawingml/2006/compatibility" xmlns:p14="http://schemas.microsoft.com/office/powerpoint/2010/main" xmlns:p15="http://schemas.microsoft.com/office/powerpoint/2012/main" showMasterPhAnim="0" showMasterSp="0">
-  <p:cSld>
-    <p:spTree>
-      <p:nvGrpSpPr>
-        <p:cNvPr id="170" name="Shape 170"/>
-        <p:cNvGrpSpPr/>
-        <p:nvPr/>
-      </p:nvGrpSpPr>
-      <p:grpSpPr>
-        <a:xfrm>
-          <a:off x="0" y="0"/>
-          <a:ext cx="0" cy="0"/>
-          <a:chOff x="0" y="0"/>
-          <a:chExt cx="0" cy="0"/>
-        </a:xfrm>
-      </p:grpSpPr>
-      <p:sp>
-        <p:nvSpPr>
-          <p:cNvPr id="171" name="Google Shape;171;g50ef1df54f_0_251:notes"/>
-          <p:cNvSpPr/>
-          <p:nvPr>
-            <p:ph idx="2" type="sldImg"/>
-          </p:nvPr>
-        </p:nvSpPr>
-        <p:spPr>
-          <a:xfrm>
-            <a:off x="381300" y="685800"/>
-            <a:ext cx="6096000" cy="3429000"/>
-          </a:xfrm>
-          <a:custGeom>
-            <a:rect b="b" l="l" r="r" t="t"/>
-            <a:pathLst>
-              <a:path extrusionOk="0" h="120000" w="120000">
-                <a:moveTo>
-                  <a:pt x="0" y="0"/>
-                </a:moveTo>
-                <a:lnTo>
-                  <a:pt x="120000" y="0"/>
-                </a:lnTo>
-                <a:lnTo>
-                  <a:pt x="120000" y="120000"/>
-                </a:lnTo>
-                <a:lnTo>
-                  <a:pt x="0" y="120000"/>
-                </a:lnTo>
-                <a:close/>
-              </a:path>
-            </a:pathLst>
-          </a:custGeom>
-        </p:spPr>
-      </p:sp>
-      <p:sp>
-        <p:nvSpPr>
-          <p:cNvPr id="172" name="Google Shape;172;g50ef1df54f_0_251:notes"/>
+          <p:cNvPr id="166" name="Google Shape;166;g50ef1df54f_0_251:notes"/>
           <p:cNvSpPr txBox="1"/>
           <p:nvPr>
             <p:ph idx="1" type="body"/>
@@ -1922,7 +1822,7 @@
       </p:grpSpPr>
       <p:sp>
         <p:nvSpPr>
-          <p:cNvPr id="78" name="Google Shape;78;g50ef1df54f_0_138:notes"/>
+          <p:cNvPr id="78" name="Google Shape;78;g50ef1df54f_0_143:notes"/>
           <p:cNvSpPr/>
           <p:nvPr>
             <p:ph idx="2" type="sldImg"/>
@@ -1957,7 +1857,7 @@
       </p:sp>
       <p:sp>
         <p:nvSpPr>
-          <p:cNvPr id="79" name="Google Shape;79;g50ef1df54f_0_138:notes"/>
+          <p:cNvPr id="79" name="Google Shape;79;g50ef1df54f_0_143:notes"/>
           <p:cNvSpPr txBox="1"/>
           <p:nvPr>
             <p:ph idx="1" type="body"/>
@@ -2021,7 +1921,7 @@
       </p:grpSpPr>
       <p:sp>
         <p:nvSpPr>
-          <p:cNvPr id="84" name="Google Shape;84;g50ef1df54f_0_143:notes"/>
+          <p:cNvPr id="84" name="Google Shape;84;g50ef1df54f_0_152:notes"/>
           <p:cNvSpPr/>
           <p:nvPr>
             <p:ph idx="2" type="sldImg"/>
@@ -2056,7 +1956,7 @@
       </p:sp>
       <p:sp>
         <p:nvSpPr>
-          <p:cNvPr id="85" name="Google Shape;85;g50ef1df54f_0_143:notes"/>
+          <p:cNvPr id="85" name="Google Shape;85;g50ef1df54f_0_152:notes"/>
           <p:cNvSpPr txBox="1"/>
           <p:nvPr>
             <p:ph idx="1" type="body"/>
@@ -2120,7 +2020,7 @@
       </p:grpSpPr>
       <p:sp>
         <p:nvSpPr>
-          <p:cNvPr id="90" name="Google Shape;90;g50ef1df54f_0_152:notes"/>
+          <p:cNvPr id="90" name="Google Shape;90;g50ef1df54f_0_157:notes"/>
           <p:cNvSpPr/>
           <p:nvPr>
             <p:ph idx="2" type="sldImg"/>
@@ -2155,7 +2055,7 @@
       </p:sp>
       <p:sp>
         <p:nvSpPr>
-          <p:cNvPr id="91" name="Google Shape;91;g50ef1df54f_0_152:notes"/>
+          <p:cNvPr id="91" name="Google Shape;91;g50ef1df54f_0_157:notes"/>
           <p:cNvSpPr txBox="1"/>
           <p:nvPr>
             <p:ph idx="1" type="body"/>
@@ -2219,7 +2119,7 @@
       </p:grpSpPr>
       <p:sp>
         <p:nvSpPr>
-          <p:cNvPr id="96" name="Google Shape;96;g50ef1df54f_0_157:notes"/>
+          <p:cNvPr id="96" name="Google Shape;96;g50ef1df54f_0_162:notes"/>
           <p:cNvSpPr/>
           <p:nvPr>
             <p:ph idx="2" type="sldImg"/>
@@ -2254,7 +2154,7 @@
       </p:sp>
       <p:sp>
         <p:nvSpPr>
-          <p:cNvPr id="97" name="Google Shape;97;g50ef1df54f_0_157:notes"/>
+          <p:cNvPr id="97" name="Google Shape;97;g50ef1df54f_0_162:notes"/>
           <p:cNvSpPr txBox="1"/>
           <p:nvPr>
             <p:ph idx="1" type="body"/>
@@ -2304,7 +2204,7 @@
   <p:cSld>
     <p:spTree>
       <p:nvGrpSpPr>
-        <p:cNvPr id="101" name="Shape 101"/>
+        <p:cNvPr id="102" name="Shape 102"/>
         <p:cNvGrpSpPr/>
         <p:nvPr/>
       </p:nvGrpSpPr>
@@ -2318,7 +2218,7 @@
       </p:grpSpPr>
       <p:sp>
         <p:nvSpPr>
-          <p:cNvPr id="102" name="Google Shape;102;g50ef1df54f_0_162:notes"/>
+          <p:cNvPr id="103" name="Google Shape;103;g50ef1df54f_0_194:notes"/>
           <p:cNvSpPr/>
           <p:nvPr>
             <p:ph idx="2" type="sldImg"/>
@@ -2353,7 +2253,7 @@
       </p:sp>
       <p:sp>
         <p:nvSpPr>
-          <p:cNvPr id="103" name="Google Shape;103;g50ef1df54f_0_162:notes"/>
+          <p:cNvPr id="104" name="Google Shape;104;g50ef1df54f_0_194:notes"/>
           <p:cNvSpPr txBox="1"/>
           <p:nvPr>
             <p:ph idx="1" type="body"/>
@@ -2403,7 +2303,7 @@
   <p:cSld>
     <p:spTree>
       <p:nvGrpSpPr>
-        <p:cNvPr id="108" name="Shape 108"/>
+        <p:cNvPr id="109" name="Shape 109"/>
         <p:cNvGrpSpPr/>
         <p:nvPr/>
       </p:nvGrpSpPr>
@@ -2417,7 +2317,7 @@
       </p:grpSpPr>
       <p:sp>
         <p:nvSpPr>
-          <p:cNvPr id="109" name="Google Shape;109;g50ef1df54f_0_194:notes"/>
+          <p:cNvPr id="110" name="Google Shape;110;g50ef1df54f_0_200:notes"/>
           <p:cNvSpPr/>
           <p:nvPr>
             <p:ph idx="2" type="sldImg"/>
@@ -2452,7 +2352,7 @@
       </p:sp>
       <p:sp>
         <p:nvSpPr>
-          <p:cNvPr id="110" name="Google Shape;110;g50ef1df54f_0_194:notes"/>
+          <p:cNvPr id="111" name="Google Shape;111;g50ef1df54f_0_200:notes"/>
           <p:cNvSpPr txBox="1"/>
           <p:nvPr>
             <p:ph idx="1" type="body"/>
@@ -7945,11 +7845,7 @@
             </a:pPr>
             <a:r>
               <a:rPr lang="en"/>
-              <a:t>Attention</a:t>
-            </a:r>
-            <a:r>
-              <a:rPr lang="en"/>
-              <a:t>:</a:t>
+              <a:t>Attention:</a:t>
             </a:r>
             <a:endParaRPr/>
           </a:p>
@@ -7964,28 +7860,7 @@
               <a:buNone/>
             </a:pPr>
             <a:r>
-              <a:rPr lang="en"/>
-              <a:t>I</a:t>
-            </a:r>
-            <a:r>
-              <a:rPr lang="en"/>
-              <a:t>n traditional encode-decode model, the effect of each input on each output is equivalent, which is obviously unreasonable. To solve this problem, The attention mechanism is usually used between encode and decode. </a:t>
-            </a:r>
-            <a:endParaRPr/>
-          </a:p>
-          <a:p>
-            <a:pPr indent="0" lvl="0" marL="0" rtl="0" algn="l">
-              <a:spcBef>
-                <a:spcPts val="1600"/>
-              </a:spcBef>
-              <a:spcAft>
-                <a:spcPts val="0"/>
-              </a:spcAft>
-              <a:buNone/>
-            </a:pPr>
-            <a:r>
-              <a:rPr lang="en"/>
-              <a:t>The basic idea: each time the model predicts an output word, it only uses parts of an input where the most relevant information is concentrated instead of an entire sentence.</a:t>
+              <a:t/>
             </a:r>
             <a:endParaRPr/>
           </a:p>
@@ -8006,6 +7881,34 @@
           </a:p>
         </p:txBody>
       </p:sp>
+      <p:pic>
+        <p:nvPicPr>
+          <p:cNvPr id="121" name="Google Shape;121;p22"/>
+          <p:cNvPicPr preferRelativeResize="0"/>
+          <p:nvPr/>
+        </p:nvPicPr>
+        <p:blipFill>
+          <a:blip r:embed="rId3">
+            <a:alphaModFix/>
+          </a:blip>
+          <a:stretch>
+            <a:fillRect/>
+          </a:stretch>
+        </p:blipFill>
+        <p:spPr>
+          <a:xfrm>
+            <a:off x="1888448" y="1144125"/>
+            <a:ext cx="6078721" cy="3844748"/>
+          </a:xfrm>
+          <a:prstGeom prst="rect">
+            <a:avLst/>
+          </a:prstGeom>
+          <a:noFill/>
+          <a:ln>
+            <a:noFill/>
+          </a:ln>
+        </p:spPr>
+      </p:pic>
     </p:spTree>
   </p:cSld>
   <p:clrMapOvr>
@@ -8019,7 +7922,7 @@
   <p:cSld>
     <p:spTree>
       <p:nvGrpSpPr>
-        <p:cNvPr id="124" name="Shape 124"/>
+        <p:cNvPr id="125" name="Shape 125"/>
         <p:cNvGrpSpPr/>
         <p:nvPr/>
       </p:nvGrpSpPr>
@@ -8033,7 +7936,7 @@
       </p:grpSpPr>
       <p:sp>
         <p:nvSpPr>
-          <p:cNvPr id="125" name="Google Shape;125;p23"/>
+          <p:cNvPr id="126" name="Google Shape;126;p23"/>
           <p:cNvSpPr txBox="1"/>
           <p:nvPr>
             <p:ph type="title"/>
@@ -8073,7 +7976,7 @@
       </p:sp>
       <p:sp>
         <p:nvSpPr>
-          <p:cNvPr id="126" name="Google Shape;126;p23"/>
+          <p:cNvPr id="127" name="Google Shape;127;p23"/>
           <p:cNvSpPr txBox="1"/>
           <p:nvPr>
             <p:ph idx="1" type="body"/>
@@ -8081,7 +7984,7 @@
         </p:nvSpPr>
         <p:spPr>
           <a:xfrm>
-            <a:off x="387900" y="1489824"/>
+            <a:off x="387900" y="1390424"/>
             <a:ext cx="8368200" cy="3078900"/>
           </a:xfrm>
           <a:prstGeom prst="rect">
@@ -8105,7 +8008,37 @@
             </a:pPr>
             <a:r>
               <a:rPr lang="en"/>
-              <a:t>Attention:</a:t>
+              <a:t>In 2018, considering the distance between words, Google’s machine translation team presented the essay “Self-Attention with Relative Position Representations.”  and optimized Position encoding.</a:t>
+            </a:r>
+            <a:endParaRPr/>
+          </a:p>
+          <a:p>
+            <a:pPr indent="0" lvl="0" marL="0" rtl="0" algn="l">
+              <a:spcBef>
+                <a:spcPts val="1600"/>
+              </a:spcBef>
+              <a:spcAft>
+                <a:spcPts val="0"/>
+              </a:spcAft>
+              <a:buNone/>
+            </a:pPr>
+            <a:r>
+              <a:t/>
+            </a:r>
+            <a:endParaRPr/>
+          </a:p>
+          <a:p>
+            <a:pPr indent="0" lvl="0" marL="0" rtl="0" algn="l">
+              <a:spcBef>
+                <a:spcPts val="1600"/>
+              </a:spcBef>
+              <a:spcAft>
+                <a:spcPts val="0"/>
+              </a:spcAft>
+              <a:buNone/>
+            </a:pPr>
+            <a:r>
+              <a:t/>
             </a:r>
             <a:endParaRPr/>
           </a:p>
@@ -8143,7 +8076,7 @@
       </p:sp>
       <p:pic>
         <p:nvPicPr>
-          <p:cNvPr id="127" name="Google Shape;127;p23"/>
+          <p:cNvPr id="128" name="Google Shape;128;p23"/>
           <p:cNvPicPr preferRelativeResize="0"/>
           <p:nvPr/>
         </p:nvPicPr>
@@ -8157,8 +8090,8 @@
         </p:blipFill>
         <p:spPr>
           <a:xfrm>
-            <a:off x="1888448" y="1144125"/>
-            <a:ext cx="6078721" cy="3844748"/>
+            <a:off x="1801475" y="2512750"/>
+            <a:ext cx="5292576" cy="2390449"/>
           </a:xfrm>
           <a:prstGeom prst="rect">
             <a:avLst/>
@@ -8182,7 +8115,7 @@
   <p:cSld>
     <p:spTree>
       <p:nvGrpSpPr>
-        <p:cNvPr id="131" name="Shape 131"/>
+        <p:cNvPr id="132" name="Shape 132"/>
         <p:cNvGrpSpPr/>
         <p:nvPr/>
       </p:nvGrpSpPr>
@@ -8196,7 +8129,7 @@
       </p:grpSpPr>
       <p:sp>
         <p:nvSpPr>
-          <p:cNvPr id="132" name="Google Shape;132;p24"/>
+          <p:cNvPr id="133" name="Google Shape;133;p24"/>
           <p:cNvSpPr txBox="1"/>
           <p:nvPr>
             <p:ph type="title"/>
@@ -8236,7 +8169,7 @@
       </p:sp>
       <p:sp>
         <p:nvSpPr>
-          <p:cNvPr id="133" name="Google Shape;133;p24"/>
+          <p:cNvPr id="134" name="Google Shape;134;p24"/>
           <p:cNvSpPr txBox="1"/>
           <p:nvPr>
             <p:ph idx="1" type="body"/>
@@ -8244,8 +8177,8 @@
         </p:nvSpPr>
         <p:spPr>
           <a:xfrm>
-            <a:off x="387900" y="1390424"/>
-            <a:ext cx="8368200" cy="3078900"/>
+            <a:off x="387900" y="1353324"/>
+            <a:ext cx="2606100" cy="445200"/>
           </a:xfrm>
           <a:prstGeom prst="rect">
             <a:avLst/>
@@ -8268,7 +8201,22 @@
             </a:pPr>
             <a:r>
               <a:rPr lang="en"/>
-              <a:t>In 2018, considering the distance between words, Google’s machine translation team presented the essay “Self-Attention with Relative Position Representations.”  and optimized Position encoding.</a:t>
+              <a:t>Result Using Glove 6B:</a:t>
+            </a:r>
+            <a:endParaRPr/>
+          </a:p>
+          <a:p>
+            <a:pPr indent="0" lvl="0" marL="0" rtl="0" algn="l">
+              <a:spcBef>
+                <a:spcPts val="1600"/>
+              </a:spcBef>
+              <a:spcAft>
+                <a:spcPts val="0"/>
+              </a:spcAft>
+              <a:buNone/>
+            </a:pPr>
+            <a:r>
+              <a:t/>
             </a:r>
             <a:endParaRPr/>
           </a:p>
@@ -8336,7 +8284,7 @@
       </p:sp>
       <p:pic>
         <p:nvPicPr>
-          <p:cNvPr id="134" name="Google Shape;134;p24"/>
+          <p:cNvPr id="135" name="Google Shape;135;p24"/>
           <p:cNvPicPr preferRelativeResize="0"/>
           <p:nvPr/>
         </p:nvPicPr>
@@ -8350,8 +8298,8 @@
         </p:blipFill>
         <p:spPr>
           <a:xfrm>
-            <a:off x="1801475" y="2512750"/>
-            <a:ext cx="5292576" cy="2390449"/>
+            <a:off x="1068463" y="1943550"/>
+            <a:ext cx="7007077" cy="2679174"/>
           </a:xfrm>
           <a:prstGeom prst="rect">
             <a:avLst/>
@@ -8375,7 +8323,7 @@
   <p:cSld>
     <p:spTree>
       <p:nvGrpSpPr>
-        <p:cNvPr id="138" name="Shape 138"/>
+        <p:cNvPr id="139" name="Shape 139"/>
         <p:cNvGrpSpPr/>
         <p:nvPr/>
       </p:nvGrpSpPr>
@@ -8389,7 +8337,7 @@
       </p:grpSpPr>
       <p:sp>
         <p:nvSpPr>
-          <p:cNvPr id="139" name="Google Shape;139;p25"/>
+          <p:cNvPr id="140" name="Google Shape;140;p25"/>
           <p:cNvSpPr txBox="1"/>
           <p:nvPr>
             <p:ph type="title"/>
@@ -8429,7 +8377,7 @@
       </p:sp>
       <p:sp>
         <p:nvSpPr>
-          <p:cNvPr id="140" name="Google Shape;140;p25"/>
+          <p:cNvPr id="141" name="Google Shape;141;p25"/>
           <p:cNvSpPr txBox="1"/>
           <p:nvPr>
             <p:ph idx="1" type="body"/>
@@ -8437,8 +8385,8 @@
         </p:nvSpPr>
         <p:spPr>
           <a:xfrm>
-            <a:off x="387900" y="1353324"/>
-            <a:ext cx="2606100" cy="445200"/>
+            <a:off x="387900" y="1353325"/>
+            <a:ext cx="3109500" cy="445200"/>
           </a:xfrm>
           <a:prstGeom prst="rect">
             <a:avLst/>
@@ -8461,7 +8409,7 @@
             </a:pPr>
             <a:r>
               <a:rPr lang="en"/>
-              <a:t>Result Using Glove 6B:</a:t>
+              <a:t>Result Using Glove 840B:</a:t>
             </a:r>
             <a:endParaRPr/>
           </a:p>
@@ -8544,7 +8492,7 @@
       </p:sp>
       <p:pic>
         <p:nvPicPr>
-          <p:cNvPr id="141" name="Google Shape;141;p25"/>
+          <p:cNvPr id="142" name="Google Shape;142;p25"/>
           <p:cNvPicPr preferRelativeResize="0"/>
           <p:nvPr/>
         </p:nvPicPr>
@@ -8558,8 +8506,8 @@
         </p:blipFill>
         <p:spPr>
           <a:xfrm>
-            <a:off x="1068463" y="1943550"/>
-            <a:ext cx="7007077" cy="2679174"/>
+            <a:off x="1404938" y="1925325"/>
+            <a:ext cx="6334125" cy="2943225"/>
           </a:xfrm>
           <a:prstGeom prst="rect">
             <a:avLst/>
@@ -8583,7 +8531,7 @@
   <p:cSld>
     <p:spTree>
       <p:nvGrpSpPr>
-        <p:cNvPr id="145" name="Shape 145"/>
+        <p:cNvPr id="146" name="Shape 146"/>
         <p:cNvGrpSpPr/>
         <p:nvPr/>
       </p:nvGrpSpPr>
@@ -8597,7 +8545,7 @@
       </p:grpSpPr>
       <p:sp>
         <p:nvSpPr>
-          <p:cNvPr id="146" name="Google Shape;146;p26"/>
+          <p:cNvPr id="147" name="Google Shape;147;p26"/>
           <p:cNvSpPr txBox="1"/>
           <p:nvPr>
             <p:ph type="title"/>
@@ -8629,7 +8577,7 @@
             </a:pPr>
             <a:r>
               <a:rPr lang="en"/>
-              <a:t>Entity Attention LSTM</a:t>
+              <a:t>CNN</a:t>
             </a:r>
             <a:endParaRPr/>
           </a:p>
@@ -8637,7 +8585,7 @@
       </p:sp>
       <p:sp>
         <p:nvSpPr>
-          <p:cNvPr id="147" name="Google Shape;147;p26"/>
+          <p:cNvPr id="148" name="Google Shape;148;p26"/>
           <p:cNvSpPr txBox="1"/>
           <p:nvPr>
             <p:ph idx="1" type="body"/>
@@ -8645,8 +8593,8 @@
         </p:nvSpPr>
         <p:spPr>
           <a:xfrm>
-            <a:off x="387900" y="1353325"/>
-            <a:ext cx="3109500" cy="445200"/>
+            <a:off x="387900" y="1489824"/>
+            <a:ext cx="8368200" cy="3078900"/>
           </a:xfrm>
           <a:prstGeom prst="rect">
             <a:avLst/>
@@ -8669,7 +8617,7 @@
             </a:pPr>
             <a:r>
               <a:rPr lang="en"/>
-              <a:t>Result Using Glove 840B:</a:t>
+              <a:t>Our TextCNN Model</a:t>
             </a:r>
             <a:endParaRPr/>
           </a:p>
@@ -8684,7 +8632,8 @@
               <a:buNone/>
             </a:pPr>
             <a:r>
-              <a:t/>
+              <a:rPr lang="en"/>
+              <a:t>Text-Embedding</a:t>
             </a:r>
             <a:endParaRPr/>
           </a:p>
@@ -8699,7 +8648,8 @@
               <a:buNone/>
             </a:pPr>
             <a:r>
-              <a:t/>
+              <a:rPr lang="en"/>
+              <a:t>Position-Embedding</a:t>
             </a:r>
             <a:endParaRPr/>
           </a:p>
@@ -8714,7 +8664,8 @@
               <a:buNone/>
             </a:pPr>
             <a:r>
-              <a:t/>
+              <a:rPr lang="en"/>
+              <a:t>Convolution+maxpool</a:t>
             </a:r>
             <a:endParaRPr/>
           </a:p>
@@ -8724,27 +8675,13 @@
                 <a:spcPts val="1600"/>
               </a:spcBef>
               <a:spcAft>
-                <a:spcPts val="0"/>
-              </a:spcAft>
-              <a:buNone/>
-            </a:pPr>
-            <a:r>
-              <a:t/>
-            </a:r>
-            <a:endParaRPr/>
-          </a:p>
-          <a:p>
-            <a:pPr indent="0" lvl="0" marL="0" rtl="0" algn="l">
-              <a:spcBef>
-                <a:spcPts val="1600"/>
-              </a:spcBef>
-              <a:spcAft>
-                <a:spcPts val="1600"/>
-              </a:spcAft>
-              <a:buNone/>
-            </a:pPr>
-            <a:r>
-              <a:t/>
+                <a:spcPts val="1600"/>
+              </a:spcAft>
+              <a:buNone/>
+            </a:pPr>
+            <a:r>
+              <a:rPr lang="en"/>
+              <a:t>FC</a:t>
             </a:r>
             <a:endParaRPr/>
           </a:p>
@@ -8752,7 +8689,7 @@
       </p:sp>
       <p:pic>
         <p:nvPicPr>
-          <p:cNvPr id="148" name="Google Shape;148;p26"/>
+          <p:cNvPr id="149" name="Google Shape;149;p26"/>
           <p:cNvPicPr preferRelativeResize="0"/>
           <p:nvPr/>
         </p:nvPicPr>
@@ -8766,8 +8703,8 @@
         </p:blipFill>
         <p:spPr>
           <a:xfrm>
-            <a:off x="1404938" y="1925325"/>
-            <a:ext cx="6334125" cy="2943225"/>
+            <a:off x="3674300" y="879175"/>
+            <a:ext cx="4759274" cy="4110702"/>
           </a:xfrm>
           <a:prstGeom prst="rect">
             <a:avLst/>
@@ -8791,7 +8728,7 @@
   <p:cSld>
     <p:spTree>
       <p:nvGrpSpPr>
-        <p:cNvPr id="152" name="Shape 152"/>
+        <p:cNvPr id="153" name="Shape 153"/>
         <p:cNvGrpSpPr/>
         <p:nvPr/>
       </p:nvGrpSpPr>
@@ -8805,7 +8742,7 @@
       </p:grpSpPr>
       <p:sp>
         <p:nvSpPr>
-          <p:cNvPr id="153" name="Google Shape;153;p27"/>
+          <p:cNvPr id="154" name="Google Shape;154;p27"/>
           <p:cNvSpPr txBox="1"/>
           <p:nvPr>
             <p:ph type="title"/>
@@ -8845,7 +8782,7 @@
       </p:sp>
       <p:sp>
         <p:nvSpPr>
-          <p:cNvPr id="154" name="Google Shape;154;p27"/>
+          <p:cNvPr id="155" name="Google Shape;155;p27"/>
           <p:cNvSpPr txBox="1"/>
           <p:nvPr>
             <p:ph idx="1" type="body"/>
@@ -8871,77 +8808,13 @@
                 <a:spcPts val="0"/>
               </a:spcBef>
               <a:spcAft>
-                <a:spcPts val="0"/>
+                <a:spcPts val="1600"/>
               </a:spcAft>
               <a:buNone/>
             </a:pPr>
             <a:r>
               <a:rPr lang="en"/>
-              <a:t>Our TextCNN Model</a:t>
-            </a:r>
-            <a:endParaRPr/>
-          </a:p>
-          <a:p>
-            <a:pPr indent="0" lvl="0" marL="0" rtl="0" algn="l">
-              <a:spcBef>
-                <a:spcPts val="1600"/>
-              </a:spcBef>
-              <a:spcAft>
-                <a:spcPts val="0"/>
-              </a:spcAft>
-              <a:buNone/>
-            </a:pPr>
-            <a:r>
-              <a:rPr lang="en"/>
-              <a:t>Text-Embedding</a:t>
-            </a:r>
-            <a:endParaRPr/>
-          </a:p>
-          <a:p>
-            <a:pPr indent="0" lvl="0" marL="0" rtl="0" algn="l">
-              <a:spcBef>
-                <a:spcPts val="1600"/>
-              </a:spcBef>
-              <a:spcAft>
-                <a:spcPts val="0"/>
-              </a:spcAft>
-              <a:buNone/>
-            </a:pPr>
-            <a:r>
-              <a:rPr lang="en"/>
-              <a:t>Position-Embedding</a:t>
-            </a:r>
-            <a:endParaRPr/>
-          </a:p>
-          <a:p>
-            <a:pPr indent="0" lvl="0" marL="0" rtl="0" algn="l">
-              <a:spcBef>
-                <a:spcPts val="1600"/>
-              </a:spcBef>
-              <a:spcAft>
-                <a:spcPts val="0"/>
-              </a:spcAft>
-              <a:buNone/>
-            </a:pPr>
-            <a:r>
-              <a:rPr lang="en"/>
-              <a:t>Convolution+maxpool</a:t>
-            </a:r>
-            <a:endParaRPr/>
-          </a:p>
-          <a:p>
-            <a:pPr indent="0" lvl="0" marL="0" rtl="0" algn="l">
-              <a:spcBef>
-                <a:spcPts val="1600"/>
-              </a:spcBef>
-              <a:spcAft>
-                <a:spcPts val="1600"/>
-              </a:spcAft>
-              <a:buNone/>
-            </a:pPr>
-            <a:r>
-              <a:rPr lang="en"/>
-              <a:t>FC</a:t>
+              <a:t>Result: </a:t>
             </a:r>
             <a:endParaRPr/>
           </a:p>
@@ -8949,7 +8822,7 @@
       </p:sp>
       <p:pic>
         <p:nvPicPr>
-          <p:cNvPr id="155" name="Google Shape;155;p27"/>
+          <p:cNvPr id="156" name="Google Shape;156;p27"/>
           <p:cNvPicPr preferRelativeResize="0"/>
           <p:nvPr/>
         </p:nvPicPr>
@@ -8963,8 +8836,8 @@
         </p:blipFill>
         <p:spPr>
           <a:xfrm>
-            <a:off x="3674300" y="879175"/>
-            <a:ext cx="4759274" cy="4110702"/>
+            <a:off x="1551625" y="1677700"/>
+            <a:ext cx="6370349" cy="2457850"/>
           </a:xfrm>
           <a:prstGeom prst="rect">
             <a:avLst/>
@@ -8988,7 +8861,7 @@
   <p:cSld>
     <p:spTree>
       <p:nvGrpSpPr>
-        <p:cNvPr id="159" name="Shape 159"/>
+        <p:cNvPr id="160" name="Shape 160"/>
         <p:cNvGrpSpPr/>
         <p:nvPr/>
       </p:nvGrpSpPr>
@@ -9002,7 +8875,7 @@
       </p:grpSpPr>
       <p:sp>
         <p:nvSpPr>
-          <p:cNvPr id="160" name="Google Shape;160;p28"/>
+          <p:cNvPr id="161" name="Google Shape;161;p28"/>
           <p:cNvSpPr txBox="1"/>
           <p:nvPr>
             <p:ph type="title"/>
@@ -9042,7 +8915,7 @@
       </p:sp>
       <p:sp>
         <p:nvSpPr>
-          <p:cNvPr id="161" name="Google Shape;161;p28"/>
+          <p:cNvPr id="162" name="Google Shape;162;p28"/>
           <p:cNvSpPr txBox="1"/>
           <p:nvPr>
             <p:ph idx="1" type="body"/>
@@ -9050,7 +8923,7 @@
         </p:nvSpPr>
         <p:spPr>
           <a:xfrm>
-            <a:off x="387900" y="1489824"/>
+            <a:off x="387900" y="1510549"/>
             <a:ext cx="8368200" cy="3078900"/>
           </a:xfrm>
           <a:prstGeom prst="rect">
@@ -9068,13 +8941,29 @@
                 <a:spcPts val="0"/>
               </a:spcBef>
               <a:spcAft>
-                <a:spcPts val="1600"/>
+                <a:spcPts val="0"/>
               </a:spcAft>
               <a:buNone/>
             </a:pPr>
             <a:r>
               <a:rPr lang="en"/>
-              <a:t>Result: </a:t>
+              <a:t>Prediction based on</a:t>
+            </a:r>
+            <a:endParaRPr/>
+          </a:p>
+          <a:p>
+            <a:pPr indent="0" lvl="0" marL="0" rtl="0" algn="l">
+              <a:spcBef>
+                <a:spcPts val="1600"/>
+              </a:spcBef>
+              <a:spcAft>
+                <a:spcPts val="1600"/>
+              </a:spcAft>
+              <a:buNone/>
+            </a:pPr>
+            <a:r>
+              <a:rPr lang="en"/>
+              <a:t>SemEval2010_task8 </a:t>
             </a:r>
             <a:endParaRPr/>
           </a:p>
@@ -9082,7 +8971,7 @@
       </p:sp>
       <p:pic>
         <p:nvPicPr>
-          <p:cNvPr id="162" name="Google Shape;162;p28"/>
+          <p:cNvPr id="163" name="Google Shape;163;p28"/>
           <p:cNvPicPr preferRelativeResize="0"/>
           <p:nvPr/>
         </p:nvPicPr>
@@ -9096,8 +8985,8 @@
         </p:blipFill>
         <p:spPr>
           <a:xfrm>
-            <a:off x="1551625" y="1677700"/>
-            <a:ext cx="6370349" cy="2457850"/>
+            <a:off x="3514126" y="520400"/>
+            <a:ext cx="4661825" cy="4429801"/>
           </a:xfrm>
           <a:prstGeom prst="rect">
             <a:avLst/>
@@ -9121,7 +9010,7 @@
   <p:cSld>
     <p:spTree>
       <p:nvGrpSpPr>
-        <p:cNvPr id="166" name="Shape 166"/>
+        <p:cNvPr id="167" name="Shape 167"/>
         <p:cNvGrpSpPr/>
         <p:nvPr/>
       </p:nvGrpSpPr>
@@ -9135,156 +9024,7 @@
       </p:grpSpPr>
       <p:sp>
         <p:nvSpPr>
-          <p:cNvPr id="167" name="Google Shape;167;p29"/>
-          <p:cNvSpPr txBox="1"/>
-          <p:nvPr>
-            <p:ph type="title"/>
-          </p:nvPr>
-        </p:nvSpPr>
-        <p:spPr>
-          <a:xfrm>
-            <a:off x="387900" y="458025"/>
-            <a:ext cx="8368200" cy="686100"/>
-          </a:xfrm>
-          <a:prstGeom prst="rect">
-            <a:avLst/>
-          </a:prstGeom>
-        </p:spPr>
-        <p:txBody>
-          <a:bodyPr anchorCtr="0" anchor="b" bIns="91425" lIns="91425" spcFirstLastPara="1" rIns="91425" wrap="square" tIns="91425">
-            <a:noAutofit/>
-          </a:bodyPr>
-          <a:lstStyle/>
-          <a:p>
-            <a:pPr indent="0" lvl="0" marL="0" rtl="0" algn="l">
-              <a:spcBef>
-                <a:spcPts val="0"/>
-              </a:spcBef>
-              <a:spcAft>
-                <a:spcPts val="0"/>
-              </a:spcAft>
-              <a:buNone/>
-            </a:pPr>
-            <a:r>
-              <a:rPr lang="en"/>
-              <a:t>CNN</a:t>
-            </a:r>
-            <a:endParaRPr/>
-          </a:p>
-        </p:txBody>
-      </p:sp>
-      <p:sp>
-        <p:nvSpPr>
           <p:cNvPr id="168" name="Google Shape;168;p29"/>
-          <p:cNvSpPr txBox="1"/>
-          <p:nvPr>
-            <p:ph idx="1" type="body"/>
-          </p:nvPr>
-        </p:nvSpPr>
-        <p:spPr>
-          <a:xfrm>
-            <a:off x="387900" y="1510549"/>
-            <a:ext cx="8368200" cy="3078900"/>
-          </a:xfrm>
-          <a:prstGeom prst="rect">
-            <a:avLst/>
-          </a:prstGeom>
-        </p:spPr>
-        <p:txBody>
-          <a:bodyPr anchorCtr="0" anchor="t" bIns="91425" lIns="91425" spcFirstLastPara="1" rIns="91425" wrap="square" tIns="91425">
-            <a:noAutofit/>
-          </a:bodyPr>
-          <a:lstStyle/>
-          <a:p>
-            <a:pPr indent="0" lvl="0" marL="0" rtl="0" algn="l">
-              <a:spcBef>
-                <a:spcPts val="0"/>
-              </a:spcBef>
-              <a:spcAft>
-                <a:spcPts val="0"/>
-              </a:spcAft>
-              <a:buNone/>
-            </a:pPr>
-            <a:r>
-              <a:rPr lang="en"/>
-              <a:t>Prediction based on</a:t>
-            </a:r>
-            <a:endParaRPr/>
-          </a:p>
-          <a:p>
-            <a:pPr indent="0" lvl="0" marL="0" rtl="0" algn="l">
-              <a:spcBef>
-                <a:spcPts val="1600"/>
-              </a:spcBef>
-              <a:spcAft>
-                <a:spcPts val="1600"/>
-              </a:spcAft>
-              <a:buNone/>
-            </a:pPr>
-            <a:r>
-              <a:rPr lang="en"/>
-              <a:t>SemEval2010_task8 </a:t>
-            </a:r>
-            <a:endParaRPr/>
-          </a:p>
-        </p:txBody>
-      </p:sp>
-      <p:pic>
-        <p:nvPicPr>
-          <p:cNvPr id="169" name="Google Shape;169;p29"/>
-          <p:cNvPicPr preferRelativeResize="0"/>
-          <p:nvPr/>
-        </p:nvPicPr>
-        <p:blipFill>
-          <a:blip r:embed="rId3">
-            <a:alphaModFix/>
-          </a:blip>
-          <a:stretch>
-            <a:fillRect/>
-          </a:stretch>
-        </p:blipFill>
-        <p:spPr>
-          <a:xfrm>
-            <a:off x="3514126" y="520400"/>
-            <a:ext cx="4661825" cy="4429801"/>
-          </a:xfrm>
-          <a:prstGeom prst="rect">
-            <a:avLst/>
-          </a:prstGeom>
-          <a:noFill/>
-          <a:ln>
-            <a:noFill/>
-          </a:ln>
-        </p:spPr>
-      </p:pic>
-    </p:spTree>
-  </p:cSld>
-  <p:clrMapOvr>
-    <a:masterClrMapping/>
-  </p:clrMapOvr>
-</p:sld>
-</file>
-
-<file path=ppt/slides/slide18.xml><?xml version="1.0" encoding="utf-8"?>
-<p:sld xmlns:a="http://schemas.openxmlformats.org/drawingml/2006/main" xmlns:r="http://schemas.openxmlformats.org/officeDocument/2006/relationships" xmlns:mc="http://schemas.openxmlformats.org/markup-compatibility/2006" xmlns:mv="urn:schemas-microsoft-com:mac:vml" xmlns:p="http://schemas.openxmlformats.org/presentationml/2006/main" xmlns:c="http://schemas.openxmlformats.org/drawingml/2006/chart" xmlns:dgm="http://schemas.openxmlformats.org/drawingml/2006/diagram" xmlns:o="urn:schemas-microsoft-com:office:office" xmlns:v="urn:schemas-microsoft-com:vml" xmlns:pvml="urn:schemas-microsoft-com:office:powerpoint" xmlns:com="http://schemas.openxmlformats.org/drawingml/2006/compatibility" xmlns:p14="http://schemas.microsoft.com/office/powerpoint/2010/main" xmlns:p15="http://schemas.microsoft.com/office/powerpoint/2012/main">
-  <p:cSld>
-    <p:spTree>
-      <p:nvGrpSpPr>
-        <p:cNvPr id="173" name="Shape 173"/>
-        <p:cNvGrpSpPr/>
-        <p:nvPr/>
-      </p:nvGrpSpPr>
-      <p:grpSpPr>
-        <a:xfrm>
-          <a:off x="0" y="0"/>
-          <a:ext cx="0" cy="0"/>
-          <a:chOff x="0" y="0"/>
-          <a:chExt cx="0" cy="0"/>
-        </a:xfrm>
-      </p:grpSpPr>
-      <p:sp>
-        <p:nvSpPr>
-          <p:cNvPr id="174" name="Google Shape;174;p30"/>
           <p:cNvSpPr txBox="1"/>
           <p:nvPr>
             <p:ph type="title"/>
@@ -9421,7 +9161,7 @@
             </a:pPr>
             <a:r>
               <a:rPr lang="en"/>
-              <a:t>Relationship Extraction is a very interesting problem in natural language processing. The idea is to link two entities, such as the owner of a company, or the someone's company position and a person in unstructured text sources.</a:t>
+              <a:t>The idea is to link two entities, such as the owner of a company, or the someone's company position and a person in unstructured text sources.</a:t>
             </a:r>
             <a:endParaRPr/>
           </a:p>
@@ -9453,7 +9193,31 @@
             </a:pPr>
             <a:r>
               <a:rPr lang="en"/>
-              <a:t>"&lt;PERSON&gt; Bill Gates &lt;/PERSON&gt;, the founder of &lt;ORG&gt; Microsoft &lt;/ORG&gt;, hosted a party last night".</a:t>
+              <a:t>"&lt;PERSON&gt; </a:t>
+            </a:r>
+            <a:r>
+              <a:rPr lang="en">
+                <a:solidFill>
+                  <a:srgbClr val="FFFF00"/>
+                </a:solidFill>
+              </a:rPr>
+              <a:t>Bill Gates</a:t>
+            </a:r>
+            <a:r>
+              <a:rPr lang="en"/>
+              <a:t> &lt;/PERSON&gt;, the founder of &lt;ORG&gt; </a:t>
+            </a:r>
+            <a:r>
+              <a:rPr lang="en">
+                <a:solidFill>
+                  <a:srgbClr val="FFFF00"/>
+                </a:solidFill>
+              </a:rPr>
+              <a:t>Microsoft </a:t>
+            </a:r>
+            <a:r>
+              <a:rPr lang="en"/>
+              <a:t>&lt;/ORG&gt;, hosted a party last night".</a:t>
             </a:r>
             <a:endParaRPr/>
           </a:p>
@@ -9573,30 +9337,14 @@
             </a:pPr>
             <a:r>
               <a:rPr lang="en"/>
-              <a:t>In most cases, it is typical to try and first identify which words are the entities we wish to extract.</a:t>
-            </a:r>
-            <a:endParaRPr/>
-          </a:p>
-          <a:p>
-            <a:pPr indent="0" lvl="0" marL="0" rtl="0" algn="l">
-              <a:spcBef>
-                <a:spcPts val="1600"/>
-              </a:spcBef>
-              <a:spcAft>
-                <a:spcPts val="0"/>
-              </a:spcAft>
-              <a:buNone/>
-            </a:pPr>
-            <a:r>
-              <a:rPr lang="en"/>
-              <a:t>First, entity based features can be developed. These include:</a:t>
+              <a:t>Entities:</a:t>
             </a:r>
             <a:endParaRPr/>
           </a:p>
           <a:p>
             <a:pPr indent="-342900" lvl="0" marL="457200" rtl="0" algn="l">
               <a:spcBef>
-                <a:spcPts val="1600"/>
+                <a:spcPts val="0"/>
               </a:spcBef>
               <a:spcAft>
                 <a:spcPts val="0"/>
@@ -9623,23 +9371,143 @@
             </a:pPr>
             <a:r>
               <a:rPr lang="en"/>
-              <a:t>Features based on:</a:t>
-            </a:r>
-            <a:endParaRPr/>
-          </a:p>
-          <a:p>
-            <a:pPr indent="0" lvl="0" marL="0" rtl="0" algn="l">
-              <a:spcBef>
-                <a:spcPts val="1600"/>
-              </a:spcBef>
-              <a:spcAft>
-                <a:spcPts val="0"/>
-              </a:spcAft>
-              <a:buNone/>
+              <a:t>Features based on</a:t>
+            </a:r>
+            <a:endParaRPr/>
+          </a:p>
+          <a:p>
+            <a:pPr indent="-317500" lvl="1" marL="914400" rtl="0" algn="l">
+              <a:spcBef>
+                <a:spcPts val="0"/>
+              </a:spcBef>
+              <a:spcAft>
+                <a:spcPts val="0"/>
+              </a:spcAft>
+              <a:buSzPts val="1400"/>
+              <a:buAutoNum type="alphaLcPeriod"/>
             </a:pPr>
             <a:r>
               <a:rPr lang="en"/>
-              <a:t>Parts of speech tags, Regular expressions, Word length, Word shape, Substring, Capitalized letters</a:t>
+              <a:t>Parts of speech tags</a:t>
+            </a:r>
+            <a:endParaRPr/>
+          </a:p>
+          <a:p>
+            <a:pPr indent="-317500" lvl="1" marL="914400" rtl="0" algn="l">
+              <a:spcBef>
+                <a:spcPts val="0"/>
+              </a:spcBef>
+              <a:spcAft>
+                <a:spcPts val="0"/>
+              </a:spcAft>
+              <a:buSzPts val="1400"/>
+              <a:buAutoNum type="alphaLcPeriod"/>
+            </a:pPr>
+            <a:r>
+              <a:rPr lang="en"/>
+              <a:t>Regular expressions</a:t>
+            </a:r>
+            <a:endParaRPr/>
+          </a:p>
+          <a:p>
+            <a:pPr indent="-317500" lvl="1" marL="914400" rtl="0" algn="l">
+              <a:spcBef>
+                <a:spcPts val="0"/>
+              </a:spcBef>
+              <a:spcAft>
+                <a:spcPts val="0"/>
+              </a:spcAft>
+              <a:buSzPts val="1400"/>
+              <a:buAutoNum type="alphaLcPeriod"/>
+            </a:pPr>
+            <a:r>
+              <a:rPr lang="en"/>
+              <a:t>Word length</a:t>
+            </a:r>
+            <a:endParaRPr/>
+          </a:p>
+          <a:p>
+            <a:pPr indent="-317500" lvl="1" marL="914400" rtl="0" algn="l">
+              <a:spcBef>
+                <a:spcPts val="0"/>
+              </a:spcBef>
+              <a:spcAft>
+                <a:spcPts val="0"/>
+              </a:spcAft>
+              <a:buSzPts val="1400"/>
+              <a:buAutoNum type="alphaLcPeriod"/>
+            </a:pPr>
+            <a:r>
+              <a:rPr lang="en"/>
+              <a:t>Word shape</a:t>
+            </a:r>
+            <a:endParaRPr/>
+          </a:p>
+          <a:p>
+            <a:pPr indent="-317500" lvl="1" marL="914400" rtl="0" algn="l">
+              <a:spcBef>
+                <a:spcPts val="0"/>
+              </a:spcBef>
+              <a:spcAft>
+                <a:spcPts val="0"/>
+              </a:spcAft>
+              <a:buSzPts val="1400"/>
+              <a:buAutoNum type="alphaLcPeriod"/>
+            </a:pPr>
+            <a:r>
+              <a:rPr lang="en"/>
+              <a:t>Substring</a:t>
+            </a:r>
+            <a:endParaRPr/>
+          </a:p>
+          <a:p>
+            <a:pPr indent="-317500" lvl="1" marL="914400" rtl="0" algn="l">
+              <a:spcBef>
+                <a:spcPts val="0"/>
+              </a:spcBef>
+              <a:spcAft>
+                <a:spcPts val="0"/>
+              </a:spcAft>
+              <a:buSzPts val="1400"/>
+              <a:buAutoNum type="alphaLcPeriod"/>
+            </a:pPr>
+            <a:r>
+              <a:rPr lang="en"/>
+              <a:t>Capitalized letters</a:t>
+            </a:r>
+            <a:endParaRPr/>
+          </a:p>
+          <a:p>
+            <a:pPr indent="-317500" lvl="1" marL="914400" rtl="0" algn="l">
+              <a:spcBef>
+                <a:spcPts val="0"/>
+              </a:spcBef>
+              <a:spcAft>
+                <a:spcPts val="0"/>
+              </a:spcAft>
+              <a:buSzPts val="1400"/>
+              <a:buAutoNum type="alphaLcPeriod"/>
+            </a:pPr>
+            <a:r>
+              <a:rPr lang="en"/>
+              <a:t>Bigrams</a:t>
+            </a:r>
+            <a:endParaRPr/>
+          </a:p>
+          <a:p>
+            <a:pPr indent="-317500" lvl="1" marL="914400" rtl="0" algn="l">
+              <a:spcBef>
+                <a:spcPts val="0"/>
+              </a:spcBef>
+              <a:spcAft>
+                <a:spcPts val="0"/>
+              </a:spcAft>
+              <a:buSzPts val="1400"/>
+              <a:buAutoNum type="alphaLcPeriod"/>
+            </a:pPr>
+            <a:r>
+              <a:rPr lang="en"/>
+              <a:t>Sequencing modeling - especially for the words between the two sequences.</a:t>
             </a:r>
             <a:endParaRPr/>
           </a:p>
@@ -9764,7 +9632,7 @@
             </a:pPr>
             <a:r>
               <a:rPr lang="en"/>
-              <a:t>Supervised Feature Extraction</a:t>
+              <a:t>Semi-Supervised Seeding</a:t>
             </a:r>
             <a:endParaRPr/>
           </a:p>
@@ -9804,11 +9672,47 @@
             </a:pPr>
             <a:r>
               <a:rPr lang="en"/>
-              <a:t>3.</a:t>
-            </a:r>
+              <a:t>We can also proceed in semi-supervised manner, where if we know certain relationships, say Bill Gates and Microsoft, we can learn the rule:</a:t>
+            </a:r>
+            <a:endParaRPr/>
+          </a:p>
+          <a:p>
+            <a:pPr indent="0" lvl="0" marL="0" rtl="0" algn="l">
+              <a:spcBef>
+                <a:spcPts val="1600"/>
+              </a:spcBef>
+              <a:spcAft>
+                <a:spcPts val="0"/>
+              </a:spcAft>
+              <a:buNone/>
+            </a:pPr>
             <a:r>
               <a:rPr lang="en"/>
-              <a:t>More complicated features such as:</a:t>
+              <a:t>"&lt;PERSON&gt; </a:t>
+            </a:r>
+            <a:r>
+              <a:rPr lang="en">
+                <a:solidFill>
+                  <a:srgbClr val="FFFF00"/>
+                </a:solidFill>
+              </a:rPr>
+              <a:t>X</a:t>
+            </a:r>
+            <a:r>
+              <a:rPr lang="en"/>
+              <a:t> &lt;/PERSON&gt;, the founder of &lt;ORG&gt; </a:t>
+            </a:r>
+            <a:r>
+              <a:rPr lang="en">
+                <a:solidFill>
+                  <a:srgbClr val="FFFF00"/>
+                </a:solidFill>
+              </a:rPr>
+              <a:t>Y</a:t>
+            </a:r>
+            <a:r>
+              <a:rPr lang="en"/>
+              <a:t> &lt;/ORG&gt;, hosted a party last night".</a:t>
             </a:r>
             <a:endParaRPr/>
           </a:p>
@@ -9824,69 +9728,7 @@
             </a:pPr>
             <a:r>
               <a:rPr lang="en"/>
-              <a:t>Bigrams</a:t>
-            </a:r>
-            <a:endParaRPr/>
-          </a:p>
-          <a:p>
-            <a:pPr indent="0" lvl="0" marL="0" rtl="0" algn="l">
-              <a:spcBef>
-                <a:spcPts val="1600"/>
-              </a:spcBef>
-              <a:spcAft>
-                <a:spcPts val="0"/>
-              </a:spcAft>
-              <a:buNone/>
-            </a:pPr>
-            <a:r>
-              <a:rPr lang="en"/>
-              <a:t>Sequencing modeling - especially for the words between the two sequences.</a:t>
-            </a:r>
-            <a:endParaRPr/>
-          </a:p>
-          <a:p>
-            <a:pPr indent="0" lvl="0" marL="0" rtl="0" algn="l">
-              <a:spcBef>
-                <a:spcPts val="1600"/>
-              </a:spcBef>
-              <a:spcAft>
-                <a:spcPts val="0"/>
-              </a:spcAft>
-              <a:buNone/>
-            </a:pPr>
-            <a:r>
-              <a:t/>
-            </a:r>
-            <a:endParaRPr/>
-          </a:p>
-          <a:p>
-            <a:pPr indent="0" lvl="0" marL="0" rtl="0" algn="l">
-              <a:spcBef>
-                <a:spcPts val="1600"/>
-              </a:spcBef>
-              <a:spcAft>
-                <a:spcPts val="0"/>
-              </a:spcAft>
-              <a:buNone/>
-            </a:pPr>
-            <a:r>
-              <a:rPr lang="en"/>
-              <a:t>Now that we have features generated we can classify every pair of words using typical supervised machine learning algorithms. </a:t>
-            </a:r>
-            <a:endParaRPr/>
-          </a:p>
-          <a:p>
-            <a:pPr indent="0" lvl="0" marL="0" rtl="0" algn="l">
-              <a:spcBef>
-                <a:spcPts val="1600"/>
-              </a:spcBef>
-              <a:spcAft>
-                <a:spcPts val="0"/>
-              </a:spcAft>
-              <a:buNone/>
-            </a:pPr>
-            <a:r>
-              <a:t/>
+              <a:t>With a large dataset, we can apply this exact sentence pattern to find new Person-Organization relations. Then, say we find X' and Y' entities, we can then find different sentence structures, and bootstrap this until we have found them all. </a:t>
             </a:r>
             <a:endParaRPr/>
           </a:p>
@@ -9981,7 +9823,7 @@
             </a:pPr>
             <a:r>
               <a:rPr lang="en"/>
-              <a:t>Semi-Supervised Seeding</a:t>
+              <a:t>References</a:t>
             </a:r>
             <a:endParaRPr/>
           </a:p>
@@ -10010,80 +9852,70 @@
           </a:bodyPr>
           <a:lstStyle/>
           <a:p>
-            <a:pPr indent="0" lvl="0" marL="0" rtl="0" algn="l">
-              <a:spcBef>
-                <a:spcPts val="0"/>
-              </a:spcBef>
-              <a:spcAft>
-                <a:spcPts val="0"/>
-              </a:spcAft>
-              <a:buNone/>
+            <a:pPr indent="-342900" lvl="0" marL="457200" rtl="0" algn="l">
+              <a:spcBef>
+                <a:spcPts val="0"/>
+              </a:spcBef>
+              <a:spcAft>
+                <a:spcPts val="0"/>
+              </a:spcAft>
+              <a:buSzPts val="1800"/>
+              <a:buAutoNum type="arabicPeriod"/>
             </a:pPr>
             <a:r>
               <a:rPr lang="en"/>
-              <a:t>We can also proceed in semi-supervised manner, where if we know certain relationships, say Bill Gates and Microsoft, we can learn the rule:</a:t>
-            </a:r>
-            <a:endParaRPr/>
-          </a:p>
-          <a:p>
-            <a:pPr indent="0" lvl="0" marL="0" rtl="0" algn="l">
-              <a:spcBef>
-                <a:spcPts val="1600"/>
-              </a:spcBef>
-              <a:spcAft>
-                <a:spcPts val="0"/>
-              </a:spcAft>
-              <a:buNone/>
+              <a:t>Rui Cai, Xiaodong Zhang and Houfeng Wang. 2016. Bidirectional Recurrent Convolutional Neural Network for Relation Classification</a:t>
+            </a:r>
+            <a:endParaRPr/>
+          </a:p>
+          <a:p>
+            <a:pPr indent="-342900" lvl="0" marL="457200" rtl="0" algn="l">
+              <a:spcBef>
+                <a:spcPts val="0"/>
+              </a:spcBef>
+              <a:spcAft>
+                <a:spcPts val="0"/>
+              </a:spcAft>
+              <a:buSzPts val="1800"/>
+              <a:buAutoNum type="arabicPeriod"/>
             </a:pPr>
             <a:r>
               <a:rPr lang="en"/>
-              <a:t>"&lt;PERSON&gt; X &lt;/PERSON&gt;, the founder of &lt;ORG&gt; Y &lt;/ORG&gt;, hosted a party last night".</a:t>
-            </a:r>
-            <a:endParaRPr/>
-          </a:p>
-          <a:p>
-            <a:pPr indent="0" lvl="0" marL="0" rtl="0" algn="l">
-              <a:spcBef>
-                <a:spcPts val="1600"/>
-              </a:spcBef>
-              <a:spcAft>
-                <a:spcPts val="0"/>
-              </a:spcAft>
-              <a:buNone/>
+              <a:t>Cicero Nogueira dos Santos, Bing Xiang, Bowen Zhou. 2015. Classifying Relations by Ranking with Convolutional Neural Networks</a:t>
+            </a:r>
+            <a:endParaRPr/>
+          </a:p>
+          <a:p>
+            <a:pPr indent="-342900" lvl="0" marL="457200" rtl="0" algn="l">
+              <a:spcBef>
+                <a:spcPts val="0"/>
+              </a:spcBef>
+              <a:spcAft>
+                <a:spcPts val="0"/>
+              </a:spcAft>
+              <a:buSzPts val="1800"/>
+              <a:buAutoNum type="arabicPeriod"/>
             </a:pPr>
             <a:r>
               <a:rPr lang="en"/>
-              <a:t>With a large dataset, we can apply this exact sentence pattern to find new Person-Organization relations. Then, say we find X' and Y' entities, we can then find different sentence structures, and bootstrap this until we have found them all. </a:t>
-            </a:r>
-            <a:endParaRPr/>
-          </a:p>
-          <a:p>
-            <a:pPr indent="0" lvl="0" marL="0" rtl="0" algn="l">
-              <a:spcBef>
-                <a:spcPts val="1600"/>
-              </a:spcBef>
-              <a:spcAft>
-                <a:spcPts val="0"/>
-              </a:spcAft>
-              <a:buNone/>
-            </a:pPr>
-            <a:r>
-              <a:t/>
-            </a:r>
-            <a:endParaRPr/>
-          </a:p>
-          <a:p>
-            <a:pPr indent="0" lvl="0" marL="0" rtl="0" algn="l">
-              <a:spcBef>
-                <a:spcPts val="1600"/>
-              </a:spcBef>
-              <a:spcAft>
-                <a:spcPts val="1600"/>
-              </a:spcAft>
-              <a:buNone/>
-            </a:pPr>
-            <a:r>
-              <a:t/>
+              <a:t>Yan Xu, Ran Jia, Lili Mou, Ge Li, Yunchuan Chen, Yangyang Lu, Zhi Jin. 2016. Improved Relation Classification by Deep Recurrent Neural Networks with Data Augmentation</a:t>
+            </a:r>
+            <a:endParaRPr/>
+          </a:p>
+          <a:p>
+            <a:pPr indent="-342900" lvl="0" marL="457200" rtl="0" algn="l">
+              <a:spcBef>
+                <a:spcPts val="0"/>
+              </a:spcBef>
+              <a:spcAft>
+                <a:spcPts val="0"/>
+              </a:spcAft>
+              <a:buSzPts val="1800"/>
+              <a:buAutoNum type="arabicPeriod"/>
+            </a:pPr>
+            <a:r>
+              <a:rPr lang="en"/>
+              <a:t>Joohong Lee, Sangwoo Seo, Yong Suk Choi. 2019. Semantic Relation Classification via Bidirectional LSTM Networks with Entity-aware Attention using Latent Entity Typing</a:t>
             </a:r>
             <a:endParaRPr/>
           </a:p>
@@ -10148,7 +9980,7 @@
             </a:pPr>
             <a:r>
               <a:rPr lang="en"/>
-              <a:t>References</a:t>
+              <a:t>Prototype Implementation</a:t>
             </a:r>
             <a:endParaRPr/>
           </a:p>
@@ -10189,8 +10021,11 @@
             </a:pPr>
             <a:r>
               <a:rPr lang="en"/>
-              <a:t>Rui Cai, Xiaodong Zhang and Houfeng Wang. 2016. Bidirectional Recurrent Convolutional Neural Network for Relation Classification</a:t>
-            </a:r>
+              <a:t>Entity Attention LSTM</a:t>
+            </a:r>
+            <a:br>
+              <a:rPr lang="en"/>
+            </a:br>
             <a:endParaRPr/>
           </a:p>
           <a:p>
@@ -10206,41 +10041,7 @@
             </a:pPr>
             <a:r>
               <a:rPr lang="en"/>
-              <a:t>Cicero Nogueira dos Santos, Bing Xiang, Bowen Zhou. 2015. Classifying Relations by Ranking with Convolutional Neural Networks</a:t>
-            </a:r>
-            <a:endParaRPr/>
-          </a:p>
-          <a:p>
-            <a:pPr indent="-342900" lvl="0" marL="457200" rtl="0" algn="l">
-              <a:spcBef>
-                <a:spcPts val="0"/>
-              </a:spcBef>
-              <a:spcAft>
-                <a:spcPts val="0"/>
-              </a:spcAft>
-              <a:buSzPts val="1800"/>
-              <a:buAutoNum type="arabicPeriod"/>
-            </a:pPr>
-            <a:r>
-              <a:rPr lang="en"/>
-              <a:t>Yan Xu, Ran Jia, Lili Mou, Ge Li, Yunchuan Chen, Yangyang Lu, Zhi Jin. 2016. Improved Relation Classification by Deep Recurrent Neural Networks with Data Augmentation</a:t>
-            </a:r>
-            <a:endParaRPr/>
-          </a:p>
-          <a:p>
-            <a:pPr indent="-342900" lvl="0" marL="457200" rtl="0" algn="l">
-              <a:spcBef>
-                <a:spcPts val="0"/>
-              </a:spcBef>
-              <a:spcAft>
-                <a:spcPts val="0"/>
-              </a:spcAft>
-              <a:buSzPts val="1800"/>
-              <a:buAutoNum type="arabicPeriod"/>
-            </a:pPr>
-            <a:r>
-              <a:rPr lang="en"/>
-              <a:t>Joohong Lee, Sangwoo Seo, Yong Suk Choi. 2019. Semantic Relation Classification via Bidirectional LSTM Networks with Entity-aware Attention using Latent Entity Typing</a:t>
+              <a:t>CNN</a:t>
             </a:r>
             <a:endParaRPr/>
           </a:p>
@@ -10305,7 +10106,7 @@
             </a:pPr>
             <a:r>
               <a:rPr lang="en"/>
-              <a:t>Prototype Implementation</a:t>
+              <a:t>Entity Attention LSTM</a:t>
             </a:r>
             <a:endParaRPr/>
           </a:p>
@@ -10334,44 +10135,66 @@
           </a:bodyPr>
           <a:lstStyle/>
           <a:p>
-            <a:pPr indent="-342900" lvl="0" marL="457200" rtl="0" algn="l">
-              <a:spcBef>
-                <a:spcPts val="0"/>
-              </a:spcBef>
-              <a:spcAft>
-                <a:spcPts val="0"/>
-              </a:spcAft>
-              <a:buSzPts val="1800"/>
-              <a:buAutoNum type="arabicPeriod"/>
+            <a:pPr indent="0" lvl="0" marL="0" rtl="0" algn="l">
+              <a:spcBef>
+                <a:spcPts val="0"/>
+              </a:spcBef>
+              <a:spcAft>
+                <a:spcPts val="0"/>
+              </a:spcAft>
+              <a:buNone/>
             </a:pPr>
             <a:r>
               <a:rPr lang="en"/>
-              <a:t>Entity Attention LSTM</a:t>
-            </a:r>
-            <a:br>
-              <a:rPr lang="en"/>
-            </a:br>
-            <a:endParaRPr/>
-          </a:p>
-          <a:p>
-            <a:pPr indent="-342900" lvl="0" marL="457200" rtl="0" algn="l">
-              <a:spcBef>
-                <a:spcPts val="0"/>
-              </a:spcBef>
-              <a:spcAft>
-                <a:spcPts val="0"/>
-              </a:spcAft>
-              <a:buSzPts val="1800"/>
-              <a:buAutoNum type="arabicPeriod"/>
-            </a:pPr>
-            <a:r>
-              <a:rPr lang="en"/>
-              <a:t>CNN</a:t>
+              <a:t>Labels:</a:t>
+            </a:r>
+            <a:endParaRPr/>
+          </a:p>
+          <a:p>
+            <a:pPr indent="0" lvl="0" marL="0" rtl="0" algn="l">
+              <a:spcBef>
+                <a:spcPts val="1600"/>
+              </a:spcBef>
+              <a:spcAft>
+                <a:spcPts val="1600"/>
+              </a:spcAft>
+              <a:buNone/>
+            </a:pPr>
+            <a:r>
+              <a:t/>
             </a:r>
             <a:endParaRPr/>
           </a:p>
         </p:txBody>
       </p:sp>
+      <p:pic>
+        <p:nvPicPr>
+          <p:cNvPr id="101" name="Google Shape;101;p19"/>
+          <p:cNvPicPr preferRelativeResize="0"/>
+          <p:nvPr/>
+        </p:nvPicPr>
+        <p:blipFill>
+          <a:blip r:embed="rId3">
+            <a:alphaModFix/>
+          </a:blip>
+          <a:stretch>
+            <a:fillRect/>
+          </a:stretch>
+        </p:blipFill>
+        <p:spPr>
+          <a:xfrm>
+            <a:off x="1500274" y="1330150"/>
+            <a:ext cx="7124674" cy="3398250"/>
+          </a:xfrm>
+          <a:prstGeom prst="rect">
+            <a:avLst/>
+          </a:prstGeom>
+          <a:noFill/>
+          <a:ln>
+            <a:noFill/>
+          </a:ln>
+        </p:spPr>
+      </p:pic>
     </p:spTree>
   </p:cSld>
   <p:clrMapOvr>
@@ -10385,7 +10208,7 @@
   <p:cSld>
     <p:spTree>
       <p:nvGrpSpPr>
-        <p:cNvPr id="104" name="Shape 104"/>
+        <p:cNvPr id="105" name="Shape 105"/>
         <p:cNvGrpSpPr/>
         <p:nvPr/>
       </p:nvGrpSpPr>
@@ -10399,7 +10222,7 @@
       </p:grpSpPr>
       <p:sp>
         <p:nvSpPr>
-          <p:cNvPr id="105" name="Google Shape;105;p20"/>
+          <p:cNvPr id="106" name="Google Shape;106;p20"/>
           <p:cNvSpPr txBox="1"/>
           <p:nvPr>
             <p:ph type="title"/>
@@ -10439,7 +10262,7 @@
       </p:sp>
       <p:sp>
         <p:nvSpPr>
-          <p:cNvPr id="106" name="Google Shape;106;p20"/>
+          <p:cNvPr id="107" name="Google Shape;107;p20"/>
           <p:cNvSpPr txBox="1"/>
           <p:nvPr>
             <p:ph idx="1" type="body"/>
@@ -10471,7 +10294,11 @@
             </a:pPr>
             <a:r>
               <a:rPr lang="en"/>
-              <a:t>Labels:</a:t>
+              <a:t>Word embedding</a:t>
+            </a:r>
+            <a:r>
+              <a:rPr lang="en"/>
+              <a:t>:</a:t>
             </a:r>
             <a:endParaRPr/>
           </a:p>
@@ -10494,7 +10321,7 @@
       </p:sp>
       <p:pic>
         <p:nvPicPr>
-          <p:cNvPr id="107" name="Google Shape;107;p20"/>
+          <p:cNvPr id="108" name="Google Shape;108;p20"/>
           <p:cNvPicPr preferRelativeResize="0"/>
           <p:nvPr/>
         </p:nvPicPr>
@@ -10508,8 +10335,8 @@
         </p:blipFill>
         <p:spPr>
           <a:xfrm>
-            <a:off x="1500274" y="1330150"/>
-            <a:ext cx="7124674" cy="3398250"/>
+            <a:off x="526175" y="2310873"/>
+            <a:ext cx="7363003" cy="1600351"/>
           </a:xfrm>
           <a:prstGeom prst="rect">
             <a:avLst/>
@@ -10533,7 +10360,7 @@
   <p:cSld>
     <p:spTree>
       <p:nvGrpSpPr>
-        <p:cNvPr id="111" name="Shape 111"/>
+        <p:cNvPr id="112" name="Shape 112"/>
         <p:cNvGrpSpPr/>
         <p:nvPr/>
       </p:nvGrpSpPr>
@@ -10547,7 +10374,7 @@
       </p:grpSpPr>
       <p:sp>
         <p:nvSpPr>
-          <p:cNvPr id="112" name="Google Shape;112;p21"/>
+          <p:cNvPr id="113" name="Google Shape;113;p21"/>
           <p:cNvSpPr txBox="1"/>
           <p:nvPr>
             <p:ph type="title"/>
@@ -10587,7 +10414,7 @@
       </p:sp>
       <p:sp>
         <p:nvSpPr>
-          <p:cNvPr id="113" name="Google Shape;113;p21"/>
+          <p:cNvPr id="114" name="Google Shape;114;p21"/>
           <p:cNvSpPr txBox="1"/>
           <p:nvPr>
             <p:ph idx="1" type="body"/>
@@ -10619,7 +10446,7 @@
             </a:pPr>
             <a:r>
               <a:rPr lang="en"/>
-              <a:t>Word embedding</a:t>
+              <a:t>Attention</a:t>
             </a:r>
             <a:r>
               <a:rPr lang="en"/>
@@ -10633,6 +10460,42 @@
                 <a:spcPts val="1600"/>
               </a:spcBef>
               <a:spcAft>
+                <a:spcPts val="0"/>
+              </a:spcAft>
+              <a:buNone/>
+            </a:pPr>
+            <a:r>
+              <a:rPr lang="en"/>
+              <a:t>I</a:t>
+            </a:r>
+            <a:r>
+              <a:rPr lang="en"/>
+              <a:t>n traditional encode-decode model, the effect of each input on each output is equivalent, which is obviously unreasonable. To solve this problem, The attention mechanism is usually used between encode and decode. </a:t>
+            </a:r>
+            <a:endParaRPr/>
+          </a:p>
+          <a:p>
+            <a:pPr indent="0" lvl="0" marL="0" rtl="0" algn="l">
+              <a:spcBef>
+                <a:spcPts val="1600"/>
+              </a:spcBef>
+              <a:spcAft>
+                <a:spcPts val="0"/>
+              </a:spcAft>
+              <a:buNone/>
+            </a:pPr>
+            <a:r>
+              <a:rPr lang="en"/>
+              <a:t>The basic idea: each time the model predicts an output word, it only uses parts of an input where the most relevant information is concentrated instead of an entire sentence.</a:t>
+            </a:r>
+            <a:endParaRPr/>
+          </a:p>
+          <a:p>
+            <a:pPr indent="0" lvl="0" marL="0" rtl="0" algn="l">
+              <a:spcBef>
+                <a:spcPts val="1600"/>
+              </a:spcBef>
+              <a:spcAft>
                 <a:spcPts val="1600"/>
               </a:spcAft>
               <a:buNone/>
@@ -10644,34 +10507,6 @@
           </a:p>
         </p:txBody>
       </p:sp>
-      <p:pic>
-        <p:nvPicPr>
-          <p:cNvPr id="114" name="Google Shape;114;p21"/>
-          <p:cNvPicPr preferRelativeResize="0"/>
-          <p:nvPr/>
-        </p:nvPicPr>
-        <p:blipFill>
-          <a:blip r:embed="rId3">
-            <a:alphaModFix/>
-          </a:blip>
-          <a:stretch>
-            <a:fillRect/>
-          </a:stretch>
-        </p:blipFill>
-        <p:spPr>
-          <a:xfrm>
-            <a:off x="526175" y="2310873"/>
-            <a:ext cx="7363003" cy="1600351"/>
-          </a:xfrm>
-          <a:prstGeom prst="rect">
-            <a:avLst/>
-          </a:prstGeom>
-          <a:noFill/>
-          <a:ln>
-            <a:noFill/>
-          </a:ln>
-        </p:spPr>
-      </p:pic>
     </p:spTree>
   </p:cSld>
   <p:clrMapOvr>
@@ -10681,6 +10516,285 @@
 </file>
 
 <file path=ppt/theme/theme1.xml><?xml version="1.0" encoding="utf-8"?>
+<a:theme xmlns:a="http://schemas.openxmlformats.org/drawingml/2006/main" xmlns:r="http://schemas.openxmlformats.org/officeDocument/2006/relationships" name="Marina">
+  <a:themeElements>
+    <a:clrScheme name="Marina">
+      <a:dk1>
+        <a:srgbClr val="FFFFFF"/>
+      </a:dk1>
+      <a:lt1>
+        <a:srgbClr val="00517C"/>
+      </a:lt1>
+      <a:dk2>
+        <a:srgbClr val="004065"/>
+      </a:dk2>
+      <a:lt2>
+        <a:srgbClr val="CFD8DC"/>
+      </a:lt2>
+      <a:accent1>
+        <a:srgbClr val="0277BD"/>
+      </a:accent1>
+      <a:accent2>
+        <a:srgbClr val="558B2F"/>
+      </a:accent2>
+      <a:accent3>
+        <a:srgbClr val="009688"/>
+      </a:accent3>
+      <a:accent4>
+        <a:srgbClr val="039BE5"/>
+      </a:accent4>
+      <a:accent5>
+        <a:srgbClr val="8BC34A"/>
+      </a:accent5>
+      <a:accent6>
+        <a:srgbClr val="FFEB38"/>
+      </a:accent6>
+      <a:hlink>
+        <a:srgbClr val="8BC34A"/>
+      </a:hlink>
+      <a:folHlink>
+        <a:srgbClr val="8BC34A"/>
+      </a:folHlink>
+    </a:clrScheme>
+    <a:fontScheme name="Office">
+      <a:majorFont>
+        <a:latin typeface="Arial"/>
+        <a:ea typeface=""/>
+        <a:cs typeface=""/>
+        <a:font script="Jpan" typeface="ＭＳ Ｐゴシック"/>
+        <a:font script="Hang" typeface="맑은 고딕"/>
+        <a:font script="Hans" typeface="宋体"/>
+        <a:font script="Hant" typeface="新細明體"/>
+        <a:font script="Arab" typeface="Times New Roman"/>
+        <a:font script="Hebr" typeface="Times New Roman"/>
+        <a:font script="Thai" typeface="Angsana New"/>
+        <a:font script="Ethi" typeface="Nyala"/>
+        <a:font script="Beng" typeface="Vrinda"/>
+        <a:font script="Gujr" typeface="Shruti"/>
+        <a:font script="Khmr" typeface="MoolBoran"/>
+        <a:font script="Knda" typeface="Tunga"/>
+        <a:font script="Guru" typeface="Raavi"/>
+        <a:font script="Cans" typeface="Euphemia"/>
+        <a:font script="Cher" typeface="Plantagenet Cherokee"/>
+        <a:font script="Yiii" typeface="Microsoft Yi Baiti"/>
+        <a:font script="Tibt" typeface="Microsoft Himalaya"/>
+        <a:font script="Thaa" typeface="MV Boli"/>
+        <a:font script="Deva" typeface="Mangal"/>
+        <a:font script="Telu" typeface="Gautami"/>
+        <a:font script="Taml" typeface="Latha"/>
+        <a:font script="Syrc" typeface="Estrangelo Edessa"/>
+        <a:font script="Orya" typeface="Kalinga"/>
+        <a:font script="Mlym" typeface="Kartika"/>
+        <a:font script="Laoo" typeface="DokChampa"/>
+        <a:font script="Sinh" typeface="Iskoola Pota"/>
+        <a:font script="Mong" typeface="Mongolian Baiti"/>
+        <a:font script="Viet" typeface="Times New Roman"/>
+        <a:font script="Uigh" typeface="Microsoft Uighur"/>
+        <a:font script="Geor" typeface="Sylfaen"/>
+      </a:majorFont>
+      <a:minorFont>
+        <a:latin typeface="Arial"/>
+        <a:ea typeface=""/>
+        <a:cs typeface=""/>
+        <a:font script="Jpan" typeface="ＭＳ Ｐゴシック"/>
+        <a:font script="Hang" typeface="맑은 고딕"/>
+        <a:font script="Hans" typeface="宋体"/>
+        <a:font script="Hant" typeface="新細明體"/>
+        <a:font script="Arab" typeface="Arial"/>
+        <a:font script="Hebr" typeface="Arial"/>
+        <a:font script="Thai" typeface="Cordia New"/>
+        <a:font script="Ethi" typeface="Nyala"/>
+        <a:font script="Beng" typeface="Vrinda"/>
+        <a:font script="Gujr" typeface="Shruti"/>
+        <a:font script="Khmr" typeface="DaunPenh"/>
+        <a:font script="Knda" typeface="Tunga"/>
+        <a:font script="Guru" typeface="Raavi"/>
+        <a:font script="Cans" typeface="Euphemia"/>
+        <a:font script="Cher" typeface="Plantagenet Cherokee"/>
+        <a:font script="Yiii" typeface="Microsoft Yi Baiti"/>
+        <a:font script="Tibt" typeface="Microsoft Himalaya"/>
+        <a:font script="Thaa" typeface="MV Boli"/>
+        <a:font script="Deva" typeface="Mangal"/>
+        <a:font script="Telu" typeface="Gautami"/>
+        <a:font script="Taml" typeface="Latha"/>
+        <a:font script="Syrc" typeface="Estrangelo Edessa"/>
+        <a:font script="Orya" typeface="Kalinga"/>
+        <a:font script="Mlym" typeface="Kartika"/>
+        <a:font script="Laoo" typeface="DokChampa"/>
+        <a:font script="Sinh" typeface="Iskoola Pota"/>
+        <a:font script="Mong" typeface="Mongolian Baiti"/>
+        <a:font script="Viet" typeface="Arial"/>
+        <a:font script="Uigh" typeface="Microsoft Uighur"/>
+        <a:font script="Geor" typeface="Sylfaen"/>
+      </a:minorFont>
+    </a:fontScheme>
+    <a:fmtScheme name="Office">
+      <a:fillStyleLst>
+        <a:solidFill>
+          <a:schemeClr val="phClr"/>
+        </a:solidFill>
+        <a:gradFill rotWithShape="1">
+          <a:gsLst>
+            <a:gs pos="0">
+              <a:schemeClr val="phClr">
+                <a:tint val="50000"/>
+                <a:satMod val="300000"/>
+              </a:schemeClr>
+            </a:gs>
+            <a:gs pos="35000">
+              <a:schemeClr val="phClr">
+                <a:tint val="37000"/>
+                <a:satMod val="300000"/>
+              </a:schemeClr>
+            </a:gs>
+            <a:gs pos="100000">
+              <a:schemeClr val="phClr">
+                <a:tint val="15000"/>
+                <a:satMod val="350000"/>
+              </a:schemeClr>
+            </a:gs>
+          </a:gsLst>
+          <a:lin ang="16200000" scaled="1"/>
+        </a:gradFill>
+        <a:gradFill rotWithShape="1">
+          <a:gsLst>
+            <a:gs pos="0">
+              <a:schemeClr val="phClr">
+                <a:tint val="100000"/>
+                <a:shade val="100000"/>
+                <a:satMod val="130000"/>
+              </a:schemeClr>
+            </a:gs>
+            <a:gs pos="100000">
+              <a:schemeClr val="phClr">
+                <a:tint val="50000"/>
+                <a:shade val="100000"/>
+                <a:satMod val="350000"/>
+              </a:schemeClr>
+            </a:gs>
+          </a:gsLst>
+          <a:lin ang="16200000" scaled="0"/>
+        </a:gradFill>
+      </a:fillStyleLst>
+      <a:lnStyleLst>
+        <a:ln w="9525" cap="flat" cmpd="sng" algn="ctr">
+          <a:solidFill>
+            <a:schemeClr val="phClr">
+              <a:shade val="95000"/>
+              <a:satMod val="105000"/>
+            </a:schemeClr>
+          </a:solidFill>
+          <a:prstDash val="solid"/>
+        </a:ln>
+        <a:ln w="25400" cap="flat" cmpd="sng" algn="ctr">
+          <a:solidFill>
+            <a:schemeClr val="phClr"/>
+          </a:solidFill>
+          <a:prstDash val="solid"/>
+        </a:ln>
+        <a:ln w="38100" cap="flat" cmpd="sng" algn="ctr">
+          <a:solidFill>
+            <a:schemeClr val="phClr"/>
+          </a:solidFill>
+          <a:prstDash val="solid"/>
+        </a:ln>
+      </a:lnStyleLst>
+      <a:effectStyleLst>
+        <a:effectStyle>
+          <a:effectLst>
+            <a:outerShdw blurRad="40000" dist="20000" dir="5400000" rotWithShape="0">
+              <a:srgbClr val="000000">
+                <a:alpha val="38000"/>
+              </a:srgbClr>
+            </a:outerShdw>
+          </a:effectLst>
+        </a:effectStyle>
+        <a:effectStyle>
+          <a:effectLst>
+            <a:outerShdw blurRad="40000" dist="23000" dir="5400000" rotWithShape="0">
+              <a:srgbClr val="000000">
+                <a:alpha val="35000"/>
+              </a:srgbClr>
+            </a:outerShdw>
+          </a:effectLst>
+        </a:effectStyle>
+        <a:effectStyle>
+          <a:effectLst>
+            <a:outerShdw blurRad="40000" dist="23000" dir="5400000" rotWithShape="0">
+              <a:srgbClr val="000000">
+                <a:alpha val="35000"/>
+              </a:srgbClr>
+            </a:outerShdw>
+          </a:effectLst>
+          <a:scene3d>
+            <a:camera prst="orthographicFront">
+              <a:rot lat="0" lon="0" rev="0"/>
+            </a:camera>
+            <a:lightRig rig="threePt" dir="t">
+              <a:rot lat="0" lon="0" rev="1200000"/>
+            </a:lightRig>
+          </a:scene3d>
+          <a:sp3d>
+            <a:bevelT w="63500" h="25400"/>
+          </a:sp3d>
+        </a:effectStyle>
+      </a:effectStyleLst>
+      <a:bgFillStyleLst>
+        <a:solidFill>
+          <a:schemeClr val="phClr"/>
+        </a:solidFill>
+        <a:gradFill rotWithShape="1">
+          <a:gsLst>
+            <a:gs pos="0">
+              <a:schemeClr val="phClr">
+                <a:tint val="40000"/>
+                <a:satMod val="350000"/>
+              </a:schemeClr>
+            </a:gs>
+            <a:gs pos="40000">
+              <a:schemeClr val="phClr">
+                <a:tint val="45000"/>
+                <a:shade val="99000"/>
+                <a:satMod val="350000"/>
+              </a:schemeClr>
+            </a:gs>
+            <a:gs pos="100000">
+              <a:schemeClr val="phClr">
+                <a:shade val="20000"/>
+                <a:satMod val="255000"/>
+              </a:schemeClr>
+            </a:gs>
+          </a:gsLst>
+          <a:path path="circle">
+            <a:fillToRect l="50000" t="-80000" r="50000" b="180000"/>
+          </a:path>
+        </a:gradFill>
+        <a:gradFill rotWithShape="1">
+          <a:gsLst>
+            <a:gs pos="0">
+              <a:schemeClr val="phClr">
+                <a:tint val="80000"/>
+                <a:satMod val="300000"/>
+              </a:schemeClr>
+            </a:gs>
+            <a:gs pos="100000">
+              <a:schemeClr val="phClr">
+                <a:shade val="30000"/>
+                <a:satMod val="200000"/>
+              </a:schemeClr>
+            </a:gs>
+          </a:gsLst>
+          <a:path path="circle">
+            <a:fillToRect l="50000" t="50000" r="50000" b="50000"/>
+          </a:path>
+        </a:gradFill>
+      </a:bgFillStyleLst>
+    </a:fmtScheme>
+  </a:themeElements>
+</a:theme>
+</file>
+
+<file path=ppt/theme/theme2.xml><?xml version="1.0" encoding="utf-8"?>
 <a:theme xmlns:a="http://schemas.openxmlformats.org/drawingml/2006/main" xmlns:r="http://schemas.openxmlformats.org/officeDocument/2006/relationships">
   <a:themeElements>
     <a:clrScheme name="Default">
@@ -10957,283 +11071,4 @@
     </a:fmtScheme>
   </a:themeElements>
 </a:theme>
-</file>
-
-<file path=ppt/theme/theme2.xml><?xml version="1.0" encoding="utf-8"?>
-<a:theme xmlns:a="http://schemas.openxmlformats.org/drawingml/2006/main" xmlns:r="http://schemas.openxmlformats.org/officeDocument/2006/relationships" name="Marina">
-  <a:themeElements>
-    <a:clrScheme name="Marina">
-      <a:dk1>
-        <a:srgbClr val="FFFFFF"/>
-      </a:dk1>
-      <a:lt1>
-        <a:srgbClr val="00517C"/>
-      </a:lt1>
-      <a:dk2>
-        <a:srgbClr val="004065"/>
-      </a:dk2>
-      <a:lt2>
-        <a:srgbClr val="CFD8DC"/>
-      </a:lt2>
-      <a:accent1>
-        <a:srgbClr val="0277BD"/>
-      </a:accent1>
-      <a:accent2>
-        <a:srgbClr val="558B2F"/>
-      </a:accent2>
-      <a:accent3>
-        <a:srgbClr val="009688"/>
-      </a:accent3>
-      <a:accent4>
-        <a:srgbClr val="039BE5"/>
-      </a:accent4>
-      <a:accent5>
-        <a:srgbClr val="8BC34A"/>
-      </a:accent5>
-      <a:accent6>
-        <a:srgbClr val="FFEB38"/>
-      </a:accent6>
-      <a:hlink>
-        <a:srgbClr val="8BC34A"/>
-      </a:hlink>
-      <a:folHlink>
-        <a:srgbClr val="8BC34A"/>
-      </a:folHlink>
-    </a:clrScheme>
-    <a:fontScheme name="Office">
-      <a:majorFont>
-        <a:latin typeface="Arial"/>
-        <a:ea typeface=""/>
-        <a:cs typeface=""/>
-        <a:font script="Jpan" typeface="ＭＳ Ｐゴシック"/>
-        <a:font script="Hang" typeface="맑은 고딕"/>
-        <a:font script="Hans" typeface="宋体"/>
-        <a:font script="Hant" typeface="新細明體"/>
-        <a:font script="Arab" typeface="Times New Roman"/>
-        <a:font script="Hebr" typeface="Times New Roman"/>
-        <a:font script="Thai" typeface="Angsana New"/>
-        <a:font script="Ethi" typeface="Nyala"/>
-        <a:font script="Beng" typeface="Vrinda"/>
-        <a:font script="Gujr" typeface="Shruti"/>
-        <a:font script="Khmr" typeface="MoolBoran"/>
-        <a:font script="Knda" typeface="Tunga"/>
-        <a:font script="Guru" typeface="Raavi"/>
-        <a:font script="Cans" typeface="Euphemia"/>
-        <a:font script="Cher" typeface="Plantagenet Cherokee"/>
-        <a:font script="Yiii" typeface="Microsoft Yi Baiti"/>
-        <a:font script="Tibt" typeface="Microsoft Himalaya"/>
-        <a:font script="Thaa" typeface="MV Boli"/>
-        <a:font script="Deva" typeface="Mangal"/>
-        <a:font script="Telu" typeface="Gautami"/>
-        <a:font script="Taml" typeface="Latha"/>
-        <a:font script="Syrc" typeface="Estrangelo Edessa"/>
-        <a:font script="Orya" typeface="Kalinga"/>
-        <a:font script="Mlym" typeface="Kartika"/>
-        <a:font script="Laoo" typeface="DokChampa"/>
-        <a:font script="Sinh" typeface="Iskoola Pota"/>
-        <a:font script="Mong" typeface="Mongolian Baiti"/>
-        <a:font script="Viet" typeface="Times New Roman"/>
-        <a:font script="Uigh" typeface="Microsoft Uighur"/>
-        <a:font script="Geor" typeface="Sylfaen"/>
-      </a:majorFont>
-      <a:minorFont>
-        <a:latin typeface="Arial"/>
-        <a:ea typeface=""/>
-        <a:cs typeface=""/>
-        <a:font script="Jpan" typeface="ＭＳ Ｐゴシック"/>
-        <a:font script="Hang" typeface="맑은 고딕"/>
-        <a:font script="Hans" typeface="宋体"/>
-        <a:font script="Hant" typeface="新細明體"/>
-        <a:font script="Arab" typeface="Arial"/>
-        <a:font script="Hebr" typeface="Arial"/>
-        <a:font script="Thai" typeface="Cordia New"/>
-        <a:font script="Ethi" typeface="Nyala"/>
-        <a:font script="Beng" typeface="Vrinda"/>
-        <a:font script="Gujr" typeface="Shruti"/>
-        <a:font script="Khmr" typeface="DaunPenh"/>
-        <a:font script="Knda" typeface="Tunga"/>
-        <a:font script="Guru" typeface="Raavi"/>
-        <a:font script="Cans" typeface="Euphemia"/>
-        <a:font script="Cher" typeface="Plantagenet Cherokee"/>
-        <a:font script="Yiii" typeface="Microsoft Yi Baiti"/>
-        <a:font script="Tibt" typeface="Microsoft Himalaya"/>
-        <a:font script="Thaa" typeface="MV Boli"/>
-        <a:font script="Deva" typeface="Mangal"/>
-        <a:font script="Telu" typeface="Gautami"/>
-        <a:font script="Taml" typeface="Latha"/>
-        <a:font script="Syrc" typeface="Estrangelo Edessa"/>
-        <a:font script="Orya" typeface="Kalinga"/>
-        <a:font script="Mlym" typeface="Kartika"/>
-        <a:font script="Laoo" typeface="DokChampa"/>
-        <a:font script="Sinh" typeface="Iskoola Pota"/>
-        <a:font script="Mong" typeface="Mongolian Baiti"/>
-        <a:font script="Viet" typeface="Arial"/>
-        <a:font script="Uigh" typeface="Microsoft Uighur"/>
-        <a:font script="Geor" typeface="Sylfaen"/>
-      </a:minorFont>
-    </a:fontScheme>
-    <a:fmtScheme name="Office">
-      <a:fillStyleLst>
-        <a:solidFill>
-          <a:schemeClr val="phClr"/>
-        </a:solidFill>
-        <a:gradFill rotWithShape="1">
-          <a:gsLst>
-            <a:gs pos="0">
-              <a:schemeClr val="phClr">
-                <a:tint val="50000"/>
-                <a:satMod val="300000"/>
-              </a:schemeClr>
-            </a:gs>
-            <a:gs pos="35000">
-              <a:schemeClr val="phClr">
-                <a:tint val="37000"/>
-                <a:satMod val="300000"/>
-              </a:schemeClr>
-            </a:gs>
-            <a:gs pos="100000">
-              <a:schemeClr val="phClr">
-                <a:tint val="15000"/>
-                <a:satMod val="350000"/>
-              </a:schemeClr>
-            </a:gs>
-          </a:gsLst>
-          <a:lin ang="16200000" scaled="1"/>
-        </a:gradFill>
-        <a:gradFill rotWithShape="1">
-          <a:gsLst>
-            <a:gs pos="0">
-              <a:schemeClr val="phClr">
-                <a:tint val="100000"/>
-                <a:shade val="100000"/>
-                <a:satMod val="130000"/>
-              </a:schemeClr>
-            </a:gs>
-            <a:gs pos="100000">
-              <a:schemeClr val="phClr">
-                <a:tint val="50000"/>
-                <a:shade val="100000"/>
-                <a:satMod val="350000"/>
-              </a:schemeClr>
-            </a:gs>
-          </a:gsLst>
-          <a:lin ang="16200000" scaled="0"/>
-        </a:gradFill>
-      </a:fillStyleLst>
-      <a:lnStyleLst>
-        <a:ln w="9525" cap="flat" cmpd="sng" algn="ctr">
-          <a:solidFill>
-            <a:schemeClr val="phClr">
-              <a:shade val="95000"/>
-              <a:satMod val="105000"/>
-            </a:schemeClr>
-          </a:solidFill>
-          <a:prstDash val="solid"/>
-        </a:ln>
-        <a:ln w="25400" cap="flat" cmpd="sng" algn="ctr">
-          <a:solidFill>
-            <a:schemeClr val="phClr"/>
-          </a:solidFill>
-          <a:prstDash val="solid"/>
-        </a:ln>
-        <a:ln w="38100" cap="flat" cmpd="sng" algn="ctr">
-          <a:solidFill>
-            <a:schemeClr val="phClr"/>
-          </a:solidFill>
-          <a:prstDash val="solid"/>
-        </a:ln>
-      </a:lnStyleLst>
-      <a:effectStyleLst>
-        <a:effectStyle>
-          <a:effectLst>
-            <a:outerShdw blurRad="40000" dist="20000" dir="5400000" rotWithShape="0">
-              <a:srgbClr val="000000">
-                <a:alpha val="38000"/>
-              </a:srgbClr>
-            </a:outerShdw>
-          </a:effectLst>
-        </a:effectStyle>
-        <a:effectStyle>
-          <a:effectLst>
-            <a:outerShdw blurRad="40000" dist="23000" dir="5400000" rotWithShape="0">
-              <a:srgbClr val="000000">
-                <a:alpha val="35000"/>
-              </a:srgbClr>
-            </a:outerShdw>
-          </a:effectLst>
-        </a:effectStyle>
-        <a:effectStyle>
-          <a:effectLst>
-            <a:outerShdw blurRad="40000" dist="23000" dir="5400000" rotWithShape="0">
-              <a:srgbClr val="000000">
-                <a:alpha val="35000"/>
-              </a:srgbClr>
-            </a:outerShdw>
-          </a:effectLst>
-          <a:scene3d>
-            <a:camera prst="orthographicFront">
-              <a:rot lat="0" lon="0" rev="0"/>
-            </a:camera>
-            <a:lightRig rig="threePt" dir="t">
-              <a:rot lat="0" lon="0" rev="1200000"/>
-            </a:lightRig>
-          </a:scene3d>
-          <a:sp3d>
-            <a:bevelT w="63500" h="25400"/>
-          </a:sp3d>
-        </a:effectStyle>
-      </a:effectStyleLst>
-      <a:bgFillStyleLst>
-        <a:solidFill>
-          <a:schemeClr val="phClr"/>
-        </a:solidFill>
-        <a:gradFill rotWithShape="1">
-          <a:gsLst>
-            <a:gs pos="0">
-              <a:schemeClr val="phClr">
-                <a:tint val="40000"/>
-                <a:satMod val="350000"/>
-              </a:schemeClr>
-            </a:gs>
-            <a:gs pos="40000">
-              <a:schemeClr val="phClr">
-                <a:tint val="45000"/>
-                <a:shade val="99000"/>
-                <a:satMod val="350000"/>
-              </a:schemeClr>
-            </a:gs>
-            <a:gs pos="100000">
-              <a:schemeClr val="phClr">
-                <a:shade val="20000"/>
-                <a:satMod val="255000"/>
-              </a:schemeClr>
-            </a:gs>
-          </a:gsLst>
-          <a:path path="circle">
-            <a:fillToRect l="50000" t="-80000" r="50000" b="180000"/>
-          </a:path>
-        </a:gradFill>
-        <a:gradFill rotWithShape="1">
-          <a:gsLst>
-            <a:gs pos="0">
-              <a:schemeClr val="phClr">
-                <a:tint val="80000"/>
-                <a:satMod val="300000"/>
-              </a:schemeClr>
-            </a:gs>
-            <a:gs pos="100000">
-              <a:schemeClr val="phClr">
-                <a:shade val="30000"/>
-                <a:satMod val="200000"/>
-              </a:schemeClr>
-            </a:gs>
-          </a:gsLst>
-          <a:path path="circle">
-            <a:fillToRect l="50000" t="50000" r="50000" b="50000"/>
-          </a:path>
-        </a:gradFill>
-      </a:bgFillStyleLst>
-    </a:fmtScheme>
-  </a:themeElements>
-</a:theme>
 </file>